--- a/Presentations/Final presentation.pptx
+++ b/Presentations/Final presentation.pptx
@@ -3345,6 +3345,13 @@
   <p:clrMapOvr>
     <a:masterClrMapping/>
   </p:clrMapOvr>
+  <p:timing>
+    <p:tnLst>
+      <p:par>
+        <p:cTn id="1" dur="indefinite" restart="never" nodeType="tmRoot"/>
+      </p:par>
+    </p:tnLst>
+  </p:timing>
 </p:sld>
 </file>
 
@@ -3489,6 +3496,13 @@
   <p:clrMapOvr>
     <a:masterClrMapping/>
   </p:clrMapOvr>
+  <p:timing>
+    <p:tnLst>
+      <p:par>
+        <p:cTn id="1" dur="indefinite" restart="never" nodeType="tmRoot"/>
+      </p:par>
+    </p:tnLst>
+  </p:timing>
 </p:sld>
 </file>
 
@@ -3633,6 +3647,13 @@
   <p:clrMapOvr>
     <a:masterClrMapping/>
   </p:clrMapOvr>
+  <p:timing>
+    <p:tnLst>
+      <p:par>
+        <p:cTn id="1" dur="indefinite" restart="never" nodeType="tmRoot"/>
+      </p:par>
+    </p:tnLst>
+  </p:timing>
 </p:sld>
 </file>
 
@@ -3743,6 +3764,13 @@
   <p:clrMapOvr>
     <a:masterClrMapping/>
   </p:clrMapOvr>
+  <p:timing>
+    <p:tnLst>
+      <p:par>
+        <p:cTn id="1" dur="indefinite" restart="never" nodeType="tmRoot"/>
+      </p:par>
+    </p:tnLst>
+  </p:timing>
 </p:sld>
 </file>
 
@@ -4265,6 +4293,13 @@
   <p:clrMapOvr>
     <a:masterClrMapping/>
   </p:clrMapOvr>
+  <p:timing>
+    <p:tnLst>
+      <p:par>
+        <p:cTn id="1" dur="indefinite" restart="never" nodeType="tmRoot"/>
+      </p:par>
+    </p:tnLst>
+  </p:timing>
 </p:sld>
 </file>
 
@@ -4961,6 +4996,13 @@
   <p:clrMapOvr>
     <a:masterClrMapping/>
   </p:clrMapOvr>
+  <p:timing>
+    <p:tnLst>
+      <p:par>
+        <p:cTn id="1" dur="indefinite" restart="never" nodeType="tmRoot"/>
+      </p:par>
+    </p:tnLst>
+  </p:timing>
 </p:sld>
 </file>
 
@@ -5306,6 +5348,13 @@
   <p:clrMapOvr>
     <a:masterClrMapping/>
   </p:clrMapOvr>
+  <p:timing>
+    <p:tnLst>
+      <p:par>
+        <p:cTn id="1" dur="indefinite" restart="never" nodeType="tmRoot"/>
+      </p:par>
+    </p:tnLst>
+  </p:timing>
 </p:sld>
 </file>
 
@@ -5392,6 +5441,13 @@
   <p:clrMapOvr>
     <a:masterClrMapping/>
   </p:clrMapOvr>
+  <p:timing>
+    <p:tnLst>
+      <p:par>
+        <p:cTn id="1" dur="indefinite" restart="never" nodeType="tmRoot"/>
+      </p:par>
+    </p:tnLst>
+  </p:timing>
 </p:sld>
 </file>
 
@@ -5822,6 +5878,13 @@
   <p:clrMapOvr>
     <a:masterClrMapping/>
   </p:clrMapOvr>
+  <p:timing>
+    <p:tnLst>
+      <p:par>
+        <p:cTn id="1" dur="indefinite" restart="never" nodeType="tmRoot"/>
+      </p:par>
+    </p:tnLst>
+  </p:timing>
 </p:sld>
 </file>
 
@@ -6078,6 +6141,13 @@
   <p:clrMapOvr>
     <a:masterClrMapping/>
   </p:clrMapOvr>
+  <p:timing>
+    <p:tnLst>
+      <p:par>
+        <p:cTn id="1" dur="indefinite" restart="never" nodeType="tmRoot"/>
+      </p:par>
+    </p:tnLst>
+  </p:timing>
 </p:sld>
 </file>
 
@@ -6515,6 +6585,13 @@
   <p:clrMapOvr>
     <a:masterClrMapping/>
   </p:clrMapOvr>
+  <p:timing>
+    <p:tnLst>
+      <p:par>
+        <p:cTn id="1" dur="indefinite" restart="never" nodeType="tmRoot"/>
+      </p:par>
+    </p:tnLst>
+  </p:timing>
 </p:sld>
 </file>
 
@@ -6601,6 +6678,13 @@
   <p:clrMapOvr>
     <a:masterClrMapping/>
   </p:clrMapOvr>
+  <p:timing>
+    <p:tnLst>
+      <p:par>
+        <p:cTn id="1" dur="indefinite" restart="never" nodeType="tmRoot"/>
+      </p:par>
+    </p:tnLst>
+  </p:timing>
 </p:sld>
 </file>
 
@@ -6656,14 +6740,14 @@
           </a:ln>
           <a:extLst>
             <a:ext uri="{909E8E84-426E-40dd-AFC4-6F175D3DCCD1}">
-              <a14:hiddenFill xmlns:a14="http://schemas.microsoft.com/office/drawing/2010/main" xmlns="">
+              <a14:hiddenFill xmlns="" xmlns:a14="http://schemas.microsoft.com/office/drawing/2010/main">
                 <a:solidFill>
                   <a:srgbClr val="FFFFFF"/>
                 </a:solidFill>
               </a14:hiddenFill>
             </a:ext>
             <a:ext uri="{91240B29-F687-4f45-9708-019B960494DF}">
-              <a14:hiddenLine xmlns:a14="http://schemas.microsoft.com/office/drawing/2010/main" xmlns="" w="9525">
+              <a14:hiddenLine xmlns="" xmlns:a14="http://schemas.microsoft.com/office/drawing/2010/main" w="9525">
                 <a:solidFill>
                   <a:srgbClr val="000000"/>
                 </a:solidFill>
@@ -6710,14 +6794,14 @@
           </a:ln>
           <a:extLst>
             <a:ext uri="{909E8E84-426E-40dd-AFC4-6F175D3DCCD1}">
-              <a14:hiddenFill xmlns:a14="http://schemas.microsoft.com/office/drawing/2010/main" xmlns="">
+              <a14:hiddenFill xmlns="" xmlns:a14="http://schemas.microsoft.com/office/drawing/2010/main">
                 <a:solidFill>
                   <a:srgbClr val="FFFFFF"/>
                 </a:solidFill>
               </a14:hiddenFill>
             </a:ext>
             <a:ext uri="{91240B29-F687-4f45-9708-019B960494DF}">
-              <a14:hiddenLine xmlns:a14="http://schemas.microsoft.com/office/drawing/2010/main" xmlns="" w="9525">
+              <a14:hiddenLine xmlns="" xmlns:a14="http://schemas.microsoft.com/office/drawing/2010/main" w="9525">
                 <a:solidFill>
                   <a:srgbClr val="000000"/>
                 </a:solidFill>
@@ -6764,14 +6848,14 @@
           </a:ln>
           <a:extLst>
             <a:ext uri="{909E8E84-426E-40dd-AFC4-6F175D3DCCD1}">
-              <a14:hiddenFill xmlns:a14="http://schemas.microsoft.com/office/drawing/2010/main" xmlns="">
+              <a14:hiddenFill xmlns="" xmlns:a14="http://schemas.microsoft.com/office/drawing/2010/main">
                 <a:solidFill>
                   <a:srgbClr val="FFFFFF"/>
                 </a:solidFill>
               </a14:hiddenFill>
             </a:ext>
             <a:ext uri="{91240B29-F687-4f45-9708-019B960494DF}">
-              <a14:hiddenLine xmlns:a14="http://schemas.microsoft.com/office/drawing/2010/main" xmlns="" w="9525">
+              <a14:hiddenLine xmlns="" xmlns:a14="http://schemas.microsoft.com/office/drawing/2010/main" w="9525">
                 <a:solidFill>
                   <a:srgbClr val="000000"/>
                 </a:solidFill>
@@ -6818,14 +6902,14 @@
           </a:ln>
           <a:extLst>
             <a:ext uri="{909E8E84-426E-40dd-AFC4-6F175D3DCCD1}">
-              <a14:hiddenFill xmlns:a14="http://schemas.microsoft.com/office/drawing/2010/main" xmlns="">
+              <a14:hiddenFill xmlns="" xmlns:a14="http://schemas.microsoft.com/office/drawing/2010/main">
                 <a:solidFill>
                   <a:srgbClr val="FFFFFF"/>
                 </a:solidFill>
               </a14:hiddenFill>
             </a:ext>
             <a:ext uri="{91240B29-F687-4f45-9708-019B960494DF}">
-              <a14:hiddenLine xmlns:a14="http://schemas.microsoft.com/office/drawing/2010/main" xmlns="" w="9525">
+              <a14:hiddenLine xmlns="" xmlns:a14="http://schemas.microsoft.com/office/drawing/2010/main" w="9525">
                 <a:solidFill>
                   <a:srgbClr val="000000"/>
                 </a:solidFill>
@@ -6871,6 +6955,13 @@
   <p:clrMapOvr>
     <a:masterClrMapping/>
   </p:clrMapOvr>
+  <p:timing>
+    <p:tnLst>
+      <p:par>
+        <p:cTn id="1" dur="indefinite" restart="never" nodeType="tmRoot"/>
+      </p:par>
+    </p:tnLst>
+  </p:timing>
 </p:sld>
 </file>
 
@@ -7214,6 +7305,13 @@
   <p:clrMapOvr>
     <a:masterClrMapping/>
   </p:clrMapOvr>
+  <p:timing>
+    <p:tnLst>
+      <p:par>
+        <p:cTn id="1" dur="indefinite" restart="never" nodeType="tmRoot"/>
+      </p:par>
+    </p:tnLst>
+  </p:timing>
 </p:sld>
 </file>
 
@@ -7590,6 +7688,13 @@
   <p:clrMapOvr>
     <a:masterClrMapping/>
   </p:clrMapOvr>
+  <p:timing>
+    <p:tnLst>
+      <p:par>
+        <p:cTn id="1" dur="indefinite" restart="never" nodeType="tmRoot"/>
+      </p:par>
+    </p:tnLst>
+  </p:timing>
 </p:sld>
 </file>
 
@@ -7652,6 +7757,13 @@
   <p:clrMapOvr>
     <a:masterClrMapping/>
   </p:clrMapOvr>
+  <p:timing>
+    <p:tnLst>
+      <p:par>
+        <p:cTn id="1" dur="indefinite" restart="never" nodeType="tmRoot"/>
+      </p:par>
+    </p:tnLst>
+  </p:timing>
 </p:sld>
 </file>
 
@@ -8016,14 +8128,14 @@
           </a:ln>
           <a:extLst>
             <a:ext uri="{909E8E84-426E-40dd-AFC4-6F175D3DCCD1}">
-              <a14:hiddenFill xmlns:a14="http://schemas.microsoft.com/office/drawing/2010/main" xmlns="">
+              <a14:hiddenFill xmlns="" xmlns:a14="http://schemas.microsoft.com/office/drawing/2010/main">
                 <a:solidFill>
                   <a:srgbClr val="FFFFFF"/>
                 </a:solidFill>
               </a14:hiddenFill>
             </a:ext>
             <a:ext uri="{91240B29-F687-4f45-9708-019B960494DF}">
-              <a14:hiddenLine xmlns:a14="http://schemas.microsoft.com/office/drawing/2010/main" xmlns="" w="9525">
+              <a14:hiddenLine xmlns="" xmlns:a14="http://schemas.microsoft.com/office/drawing/2010/main" w="9525">
                 <a:solidFill>
                   <a:srgbClr val="000000"/>
                 </a:solidFill>
@@ -8210,6 +8322,13 @@
   <p:clrMapOvr>
     <a:masterClrMapping/>
   </p:clrMapOvr>
+  <p:timing>
+    <p:tnLst>
+      <p:par>
+        <p:cTn id="1" dur="indefinite" restart="never" nodeType="tmRoot"/>
+      </p:par>
+    </p:tnLst>
+  </p:timing>
 </p:sld>
 </file>
 
@@ -8578,6 +8697,13 @@
   <p:clrMapOvr>
     <a:masterClrMapping/>
   </p:clrMapOvr>
+  <p:timing>
+    <p:tnLst>
+      <p:par>
+        <p:cTn id="1" dur="indefinite" restart="never" nodeType="tmRoot"/>
+      </p:par>
+    </p:tnLst>
+  </p:timing>
 </p:sld>
 </file>
 
@@ -8686,6 +8812,13 @@
   <p:clrMapOvr>
     <a:masterClrMapping/>
   </p:clrMapOvr>
+  <p:timing>
+    <p:tnLst>
+      <p:par>
+        <p:cTn id="1" dur="indefinite" restart="never" nodeType="tmRoot"/>
+      </p:par>
+    </p:tnLst>
+  </p:timing>
 </p:sld>
 </file>
 
@@ -8805,7 +8938,27 @@
                 <a:latin typeface="Hoefler Text"/>
                 <a:cs typeface="Hoefler Text"/>
               </a:rPr>
-              <a:t>Transportation Analysis</a:t>
+              <a:t>Tran</a:t>
+            </a:r>
+            <a:r>
+              <a:rPr lang="en-US" sz="3200" dirty="0">
+                <a:solidFill>
+                  <a:srgbClr val="F6F1E5"/>
+                </a:solidFill>
+                <a:latin typeface="Hoefler Text"/>
+                <a:cs typeface="Hoefler Text"/>
+              </a:rPr>
+              <a:t>sportatio</a:t>
+            </a:r>
+            <a:r>
+              <a:rPr lang="en-US" sz="3200" dirty="0" smtClean="0">
+                <a:solidFill>
+                  <a:srgbClr val="F6F1E5"/>
+                </a:solidFill>
+                <a:latin typeface="Hoefler Text"/>
+                <a:cs typeface="Hoefler Text"/>
+              </a:rPr>
+              <a:t>n Analysis</a:t>
             </a:r>
           </a:p>
           <a:p>
@@ -8828,483 +8981,12 @@
         </p:nvGrpSpPr>
         <p:grpSpPr>
           <a:xfrm>
-            <a:off x="50800" y="952597"/>
-            <a:ext cx="8853611" cy="5912823"/>
-            <a:chOff x="50800" y="857250"/>
-            <a:chExt cx="8853611" cy="5912823"/>
+            <a:off x="359344" y="3271518"/>
+            <a:ext cx="8545067" cy="3593902"/>
+            <a:chOff x="359344" y="3176171"/>
+            <a:chExt cx="8545067" cy="3593902"/>
           </a:xfrm>
         </p:grpSpPr>
-        <p:grpSp>
-          <p:nvGrpSpPr>
-            <p:cNvPr id="7" name="Group 6"/>
-            <p:cNvGrpSpPr/>
-            <p:nvPr/>
-          </p:nvGrpSpPr>
-          <p:grpSpPr>
-            <a:xfrm>
-              <a:off x="641672" y="857250"/>
-              <a:ext cx="2895439" cy="1906930"/>
-              <a:chOff x="571500" y="1148533"/>
-              <a:chExt cx="2895439" cy="1906930"/>
-            </a:xfrm>
-          </p:grpSpPr>
-          <p:grpSp>
-            <p:nvGrpSpPr>
-              <p:cNvPr id="37" name="Group 36"/>
-              <p:cNvGrpSpPr/>
-              <p:nvPr/>
-            </p:nvGrpSpPr>
-            <p:grpSpPr>
-              <a:xfrm>
-                <a:off x="571500" y="1377133"/>
-                <a:ext cx="2222339" cy="1678330"/>
-                <a:chOff x="5509549" y="1111169"/>
-                <a:chExt cx="2222339" cy="1678330"/>
-              </a:xfrm>
-            </p:grpSpPr>
-            <p:pic>
-              <p:nvPicPr>
-                <p:cNvPr id="39" name="Picture 38"/>
-                <p:cNvPicPr>
-                  <a:picLocks noChangeAspect="1"/>
-                </p:cNvPicPr>
-                <p:nvPr/>
-              </p:nvPicPr>
-              <p:blipFill rotWithShape="1">
-                <a:blip r:embed="rId3"/>
-                <a:srcRect l="27872" t="32918" r="27405" b="42339"/>
-                <a:stretch/>
-              </p:blipFill>
-              <p:spPr>
-                <a:xfrm>
-                  <a:off x="5509549" y="1111169"/>
-                  <a:ext cx="2222339" cy="1678330"/>
-                </a:xfrm>
-                <a:prstGeom prst="rect">
-                  <a:avLst/>
-                </a:prstGeom>
-              </p:spPr>
-            </p:pic>
-            <p:sp>
-              <p:nvSpPr>
-                <p:cNvPr id="40" name="TextBox 39"/>
-                <p:cNvSpPr txBox="1"/>
-                <p:nvPr/>
-              </p:nvSpPr>
-              <p:spPr>
-                <a:xfrm>
-                  <a:off x="5941993" y="1828800"/>
-                  <a:ext cx="1504709" cy="369332"/>
-                </a:xfrm>
-                <a:prstGeom prst="rect">
-                  <a:avLst/>
-                </a:prstGeom>
-                <a:noFill/>
-              </p:spPr>
-              <p:txBody>
-                <a:bodyPr wrap="square" rtlCol="0">
-                  <a:spAutoFit/>
-                </a:bodyPr>
-                <a:lstStyle/>
-                <a:p>
-                  <a:r>
-                    <a:rPr lang="fr-FR" dirty="0" smtClean="0"/>
-                    <a:t>6,2 L/100km</a:t>
-                  </a:r>
-                  <a:endParaRPr lang="fr-FR" dirty="0"/>
-                </a:p>
-              </p:txBody>
-            </p:sp>
-          </p:grpSp>
-          <p:sp>
-            <p:nvSpPr>
-              <p:cNvPr id="38" name="Oval 37"/>
-              <p:cNvSpPr/>
-              <p:nvPr/>
-            </p:nvSpPr>
-            <p:spPr>
-              <a:xfrm>
-                <a:off x="2120739" y="1148533"/>
-                <a:ext cx="1346200" cy="1346200"/>
-              </a:xfrm>
-              <a:prstGeom prst="ellipse">
-                <a:avLst/>
-              </a:prstGeom>
-              <a:gradFill flip="none" rotWithShape="1">
-                <a:gsLst>
-                  <a:gs pos="0">
-                    <a:srgbClr val="568E77">
-                      <a:shade val="30000"/>
-                      <a:satMod val="115000"/>
-                    </a:srgbClr>
-                  </a:gs>
-                  <a:gs pos="50000">
-                    <a:srgbClr val="568E77">
-                      <a:shade val="67500"/>
-                      <a:satMod val="115000"/>
-                    </a:srgbClr>
-                  </a:gs>
-                  <a:gs pos="100000">
-                    <a:srgbClr val="568E77">
-                      <a:shade val="100000"/>
-                      <a:satMod val="115000"/>
-                    </a:srgbClr>
-                  </a:gs>
-                </a:gsLst>
-                <a:lin ang="2700000" scaled="1"/>
-                <a:tileRect/>
-              </a:gradFill>
-              <a:ln>
-                <a:noFill/>
-              </a:ln>
-            </p:spPr>
-            <p:style>
-              <a:lnRef idx="1">
-                <a:schemeClr val="accent1"/>
-              </a:lnRef>
-              <a:fillRef idx="3">
-                <a:schemeClr val="accent1"/>
-              </a:fillRef>
-              <a:effectRef idx="2">
-                <a:schemeClr val="accent1"/>
-              </a:effectRef>
-              <a:fontRef idx="minor">
-                <a:schemeClr val="lt1"/>
-              </a:fontRef>
-            </p:style>
-            <p:txBody>
-              <a:bodyPr rtlCol="0" anchor="ctr"/>
-              <a:lstStyle/>
-              <a:p>
-                <a:pPr algn="ctr"/>
-                <a:r>
-                  <a:rPr lang="fr-FR" dirty="0" smtClean="0"/>
-                  <a:t>62% of the cars</a:t>
-                </a:r>
-                <a:endParaRPr lang="fr-FR" dirty="0"/>
-              </a:p>
-            </p:txBody>
-          </p:sp>
-        </p:grpSp>
-        <p:grpSp>
-          <p:nvGrpSpPr>
-            <p:cNvPr id="8" name="Group 7"/>
-            <p:cNvGrpSpPr/>
-            <p:nvPr/>
-          </p:nvGrpSpPr>
-          <p:grpSpPr>
-            <a:xfrm>
-              <a:off x="5384800" y="894614"/>
-              <a:ext cx="2895439" cy="1886767"/>
-              <a:chOff x="5941993" y="940096"/>
-              <a:chExt cx="2895439" cy="1886767"/>
-            </a:xfrm>
-          </p:grpSpPr>
-          <p:grpSp>
-            <p:nvGrpSpPr>
-              <p:cNvPr id="33" name="Group 32"/>
-              <p:cNvGrpSpPr/>
-              <p:nvPr/>
-            </p:nvGrpSpPr>
-            <p:grpSpPr>
-              <a:xfrm>
-                <a:off x="5941993" y="1148533"/>
-                <a:ext cx="2222339" cy="1678330"/>
-                <a:chOff x="5509549" y="1111169"/>
-                <a:chExt cx="2222339" cy="1678330"/>
-              </a:xfrm>
-            </p:grpSpPr>
-            <p:pic>
-              <p:nvPicPr>
-                <p:cNvPr id="35" name="Picture 34"/>
-                <p:cNvPicPr>
-                  <a:picLocks noChangeAspect="1"/>
-                </p:cNvPicPr>
-                <p:nvPr/>
-              </p:nvPicPr>
-              <p:blipFill rotWithShape="1">
-                <a:blip r:embed="rId3"/>
-                <a:srcRect l="27872" t="32918" r="27405" b="42339"/>
-                <a:stretch/>
-              </p:blipFill>
-              <p:spPr>
-                <a:xfrm>
-                  <a:off x="5509549" y="1111169"/>
-                  <a:ext cx="2222339" cy="1678330"/>
-                </a:xfrm>
-                <a:prstGeom prst="rect">
-                  <a:avLst/>
-                </a:prstGeom>
-              </p:spPr>
-            </p:pic>
-            <p:sp>
-              <p:nvSpPr>
-                <p:cNvPr id="36" name="TextBox 35"/>
-                <p:cNvSpPr txBox="1"/>
-                <p:nvPr/>
-              </p:nvSpPr>
-              <p:spPr>
-                <a:xfrm>
-                  <a:off x="5941993" y="1828800"/>
-                  <a:ext cx="1504709" cy="369332"/>
-                </a:xfrm>
-                <a:prstGeom prst="rect">
-                  <a:avLst/>
-                </a:prstGeom>
-                <a:noFill/>
-              </p:spPr>
-              <p:txBody>
-                <a:bodyPr wrap="square" rtlCol="0">
-                  <a:spAutoFit/>
-                </a:bodyPr>
-                <a:lstStyle/>
-                <a:p>
-                  <a:r>
-                    <a:rPr lang="fr-FR" dirty="0" smtClean="0"/>
-                    <a:t>7,5 L/100km</a:t>
-                  </a:r>
-                  <a:endParaRPr lang="fr-FR" dirty="0"/>
-                </a:p>
-              </p:txBody>
-            </p:sp>
-          </p:grpSp>
-          <p:sp>
-            <p:nvSpPr>
-              <p:cNvPr id="34" name="Oval 33"/>
-              <p:cNvSpPr/>
-              <p:nvPr/>
-            </p:nvSpPr>
-            <p:spPr>
-              <a:xfrm>
-                <a:off x="7491232" y="940096"/>
-                <a:ext cx="1346200" cy="1346200"/>
-              </a:xfrm>
-              <a:prstGeom prst="ellipse">
-                <a:avLst/>
-              </a:prstGeom>
-              <a:gradFill flip="none" rotWithShape="1">
-                <a:gsLst>
-                  <a:gs pos="0">
-                    <a:srgbClr val="568E77">
-                      <a:shade val="30000"/>
-                      <a:satMod val="115000"/>
-                    </a:srgbClr>
-                  </a:gs>
-                  <a:gs pos="50000">
-                    <a:srgbClr val="568E77">
-                      <a:shade val="67500"/>
-                      <a:satMod val="115000"/>
-                    </a:srgbClr>
-                  </a:gs>
-                  <a:gs pos="100000">
-                    <a:srgbClr val="568E77">
-                      <a:shade val="100000"/>
-                      <a:satMod val="115000"/>
-                    </a:srgbClr>
-                  </a:gs>
-                </a:gsLst>
-                <a:lin ang="8100000" scaled="1"/>
-                <a:tileRect/>
-              </a:gradFill>
-              <a:ln>
-                <a:noFill/>
-              </a:ln>
-            </p:spPr>
-            <p:style>
-              <a:lnRef idx="1">
-                <a:schemeClr val="accent1"/>
-              </a:lnRef>
-              <a:fillRef idx="3">
-                <a:schemeClr val="accent1"/>
-              </a:fillRef>
-              <a:effectRef idx="2">
-                <a:schemeClr val="accent1"/>
-              </a:effectRef>
-              <a:fontRef idx="minor">
-                <a:schemeClr val="lt1"/>
-              </a:fontRef>
-            </p:style>
-            <p:txBody>
-              <a:bodyPr rtlCol="0" anchor="ctr"/>
-              <a:lstStyle/>
-              <a:p>
-                <a:pPr algn="ctr"/>
-                <a:r>
-                  <a:rPr lang="fr-FR" dirty="0" smtClean="0"/>
-                  <a:t>38% of the cars</a:t>
-                </a:r>
-                <a:endParaRPr lang="fr-FR" dirty="0"/>
-              </a:p>
-            </p:txBody>
-          </p:sp>
-        </p:grpSp>
-        <p:grpSp>
-          <p:nvGrpSpPr>
-            <p:cNvPr id="9" name="Group 8"/>
-            <p:cNvGrpSpPr/>
-            <p:nvPr/>
-          </p:nvGrpSpPr>
-          <p:grpSpPr>
-            <a:xfrm>
-              <a:off x="50800" y="2604671"/>
-              <a:ext cx="3886200" cy="597016"/>
-              <a:chOff x="50800" y="2903179"/>
-              <a:chExt cx="3886200" cy="597016"/>
-            </a:xfrm>
-          </p:grpSpPr>
-          <p:pic>
-            <p:nvPicPr>
-              <p:cNvPr id="31" name="Picture 30"/>
-              <p:cNvPicPr>
-                <a:picLocks noChangeAspect="1"/>
-              </p:cNvPicPr>
-              <p:nvPr/>
-            </p:nvPicPr>
-            <p:blipFill rotWithShape="1">
-              <a:blip r:embed="rId4"/>
-              <a:srcRect l="12626" t="-27020" r="17206"/>
-              <a:stretch/>
-            </p:blipFill>
-            <p:spPr>
-              <a:xfrm>
-                <a:off x="50800" y="2903179"/>
-                <a:ext cx="3886200" cy="597016"/>
-              </a:xfrm>
-              <a:prstGeom prst="rect">
-                <a:avLst/>
-              </a:prstGeom>
-            </p:spPr>
-          </p:pic>
-          <p:sp>
-            <p:nvSpPr>
-              <p:cNvPr id="32" name="TextBox 31"/>
-              <p:cNvSpPr txBox="1"/>
-              <p:nvPr/>
-            </p:nvSpPr>
-            <p:spPr>
-              <a:xfrm>
-                <a:off x="832897" y="3030062"/>
-                <a:ext cx="1675756" cy="369332"/>
-              </a:xfrm>
-              <a:prstGeom prst="rect">
-                <a:avLst/>
-              </a:prstGeom>
-              <a:noFill/>
-            </p:spPr>
-            <p:txBody>
-              <a:bodyPr wrap="square" rtlCol="0">
-                <a:spAutoFit/>
-              </a:bodyPr>
-              <a:lstStyle/>
-              <a:p>
-                <a:r>
-                  <a:rPr lang="fr-FR" dirty="0" smtClean="0"/>
-                  <a:t>15477 km/</a:t>
-                </a:r>
-                <a:r>
-                  <a:rPr lang="fr-FR" dirty="0" err="1" smtClean="0"/>
-                  <a:t>Year</a:t>
-                </a:r>
-                <a:endParaRPr lang="fr-FR" dirty="0"/>
-              </a:p>
-            </p:txBody>
-          </p:sp>
-        </p:grpSp>
-        <p:grpSp>
-          <p:nvGrpSpPr>
-            <p:cNvPr id="12" name="Group 11"/>
-            <p:cNvGrpSpPr/>
-            <p:nvPr/>
-          </p:nvGrpSpPr>
-          <p:grpSpPr>
-            <a:xfrm>
-              <a:off x="4165439" y="2579155"/>
-              <a:ext cx="4673761" cy="653053"/>
-              <a:chOff x="4165439" y="2877663"/>
-              <a:chExt cx="4673761" cy="653053"/>
-            </a:xfrm>
-          </p:grpSpPr>
-          <p:pic>
-            <p:nvPicPr>
-              <p:cNvPr id="28" name="Picture 27"/>
-              <p:cNvPicPr>
-                <a:picLocks noChangeAspect="1"/>
-              </p:cNvPicPr>
-              <p:nvPr/>
-            </p:nvPicPr>
-            <p:blipFill rotWithShape="1">
-              <a:blip r:embed="rId4"/>
-              <a:srcRect l="12626" t="-27019" r="17206" b="21616"/>
-              <a:stretch/>
-            </p:blipFill>
-            <p:spPr>
-              <a:xfrm rot="10800000">
-                <a:off x="4165439" y="3035300"/>
-                <a:ext cx="3886200" cy="495416"/>
-              </a:xfrm>
-              <a:prstGeom prst="rect">
-                <a:avLst/>
-              </a:prstGeom>
-            </p:spPr>
-          </p:pic>
-          <p:pic>
-            <p:nvPicPr>
-              <p:cNvPr id="29" name="Picture 28"/>
-              <p:cNvPicPr>
-                <a:picLocks noChangeAspect="1"/>
-              </p:cNvPicPr>
-              <p:nvPr/>
-            </p:nvPicPr>
-            <p:blipFill rotWithShape="1">
-              <a:blip r:embed="rId4"/>
-              <a:srcRect l="24322" t="-37829" r="53433" b="10809"/>
-              <a:stretch/>
-            </p:blipFill>
-            <p:spPr>
-              <a:xfrm>
-                <a:off x="7607139" y="2877663"/>
-                <a:ext cx="1232061" cy="597016"/>
-              </a:xfrm>
-              <a:prstGeom prst="rect">
-                <a:avLst/>
-              </a:prstGeom>
-            </p:spPr>
-          </p:pic>
-          <p:sp>
-            <p:nvSpPr>
-              <p:cNvPr id="30" name="TextBox 29"/>
-              <p:cNvSpPr txBox="1"/>
-              <p:nvPr/>
-            </p:nvSpPr>
-            <p:spPr>
-              <a:xfrm>
-                <a:off x="5646197" y="3030062"/>
-                <a:ext cx="1675756" cy="369332"/>
-              </a:xfrm>
-              <a:prstGeom prst="rect">
-                <a:avLst/>
-              </a:prstGeom>
-              <a:noFill/>
-            </p:spPr>
-            <p:txBody>
-              <a:bodyPr wrap="square" rtlCol="0">
-                <a:spAutoFit/>
-              </a:bodyPr>
-              <a:lstStyle/>
-              <a:p>
-                <a:r>
-                  <a:rPr lang="fr-FR" dirty="0" smtClean="0"/>
-                  <a:t>8225 km/</a:t>
-                </a:r>
-                <a:r>
-                  <a:rPr lang="fr-FR" dirty="0" err="1" smtClean="0"/>
-                  <a:t>Year</a:t>
-                </a:r>
-                <a:endParaRPr lang="fr-FR" dirty="0"/>
-              </a:p>
-            </p:txBody>
-          </p:sp>
-        </p:grpSp>
         <p:grpSp>
           <p:nvGrpSpPr>
             <p:cNvPr id="13" name="Group 12"/>
@@ -9388,7 +9070,7 @@
                 <p:nvPr/>
               </p:nvPicPr>
               <p:blipFill>
-                <a:blip r:embed="rId5"/>
+                <a:blip r:embed="rId3"/>
                 <a:stretch>
                   <a:fillRect/>
                 </a:stretch>
@@ -9412,8 +9094,8 @@
             </p:nvSpPr>
             <p:spPr>
               <a:xfrm>
-                <a:off x="686122" y="4666334"/>
-                <a:ext cx="939478" cy="369332"/>
+                <a:off x="686121" y="4666334"/>
+                <a:ext cx="1077875" cy="369332"/>
               </a:xfrm>
               <a:prstGeom prst="rect">
                 <a:avLst/>
@@ -9431,6 +9113,7 @@
                     <a:solidFill>
                       <a:schemeClr val="bg1"/>
                     </a:solidFill>
+                    <a:latin typeface="Hoefler Text"/>
                   </a:rPr>
                   <a:t>1,39€/L</a:t>
                 </a:r>
@@ -9438,6 +9121,7 @@
                   <a:solidFill>
                     <a:schemeClr val="bg1"/>
                   </a:solidFill>
+                  <a:latin typeface="Hoefler Text"/>
                 </a:endParaRPr>
               </a:p>
             </p:txBody>
@@ -9526,7 +9210,7 @@
                 <p:nvPr/>
               </p:nvPicPr>
               <p:blipFill>
-                <a:blip r:embed="rId5"/>
+                <a:blip r:embed="rId3"/>
                 <a:stretch>
                   <a:fillRect/>
                 </a:stretch>
@@ -9550,8 +9234,8 @@
             </p:nvSpPr>
             <p:spPr>
               <a:xfrm>
-                <a:off x="7581900" y="4666334"/>
-                <a:ext cx="939478" cy="369332"/>
+                <a:off x="7581899" y="4666334"/>
+                <a:ext cx="995795" cy="369332"/>
               </a:xfrm>
               <a:prstGeom prst="rect">
                 <a:avLst/>
@@ -9569,6 +9253,7 @@
                     <a:solidFill>
                       <a:schemeClr val="bg1"/>
                     </a:solidFill>
+                    <a:latin typeface="Hoefler Text"/>
                   </a:rPr>
                   <a:t>1,60€/L</a:t>
                 </a:r>
@@ -9576,6 +9261,7 @@
                   <a:solidFill>
                     <a:schemeClr val="bg1"/>
                   </a:solidFill>
+                  <a:latin typeface="Hoefler Text"/>
                 </a:endParaRPr>
               </a:p>
             </p:txBody>
@@ -9645,29 +9331,43 @@
             <a:p>
               <a:pPr algn="ctr"/>
               <a:r>
-                <a:rPr lang="fr-FR" dirty="0" err="1" smtClean="0"/>
+                <a:rPr lang="fr-FR" dirty="0" err="1" smtClean="0">
+                  <a:latin typeface="Hoefler Text"/>
+                </a:rPr>
                 <a:t>Annual</a:t>
               </a:r>
               <a:r>
-                <a:rPr lang="fr-FR" dirty="0" smtClean="0"/>
+                <a:rPr lang="fr-FR" dirty="0" smtClean="0">
+                  <a:latin typeface="Hoefler Text"/>
+                </a:rPr>
                 <a:t> </a:t>
               </a:r>
               <a:r>
-                <a:rPr lang="fr-FR" dirty="0" err="1" smtClean="0"/>
+                <a:rPr lang="fr-FR" dirty="0" err="1" smtClean="0">
+                  <a:latin typeface="Hoefler Text"/>
+                </a:rPr>
                 <a:t>cost</a:t>
               </a:r>
               <a:r>
-                <a:rPr lang="fr-FR" dirty="0"/>
+                <a:rPr lang="fr-FR" dirty="0">
+                  <a:latin typeface="Hoefler Text"/>
+                </a:rPr>
                 <a:t/>
               </a:r>
               <a:br>
-                <a:rPr lang="fr-FR" dirty="0"/>
+                <a:rPr lang="fr-FR" dirty="0">
+                  <a:latin typeface="Hoefler Text"/>
+                </a:rPr>
               </a:br>
               <a:r>
-                <a:rPr lang="fr-FR" sz="4000" dirty="0" smtClean="0"/>
+                <a:rPr lang="fr-FR" sz="4000" dirty="0" smtClean="0">
+                  <a:latin typeface="Hoefler Text"/>
+                </a:rPr>
                 <a:t>1002€</a:t>
               </a:r>
-              <a:endParaRPr lang="fr-FR" sz="4000" dirty="0"/>
+              <a:endParaRPr lang="fr-FR" sz="4000" dirty="0">
+                <a:latin typeface="Hoefler Text"/>
+              </a:endParaRPr>
             </a:p>
           </p:txBody>
         </p:sp>
@@ -9680,7 +9380,7 @@
           <p:spPr>
             <a:xfrm>
               <a:off x="966655" y="4941273"/>
-              <a:ext cx="2409256" cy="1828800"/>
+              <a:ext cx="2570456" cy="1828800"/>
             </a:xfrm>
             <a:prstGeom prst="irregularSeal1">
               <a:avLst/>
@@ -9733,10 +9433,14 @@
             <a:p>
               <a:pPr algn="ctr"/>
               <a:r>
-                <a:rPr lang="fr-FR" sz="4400" dirty="0" smtClean="0"/>
+                <a:rPr lang="fr-FR" sz="4400" dirty="0" smtClean="0">
+                  <a:latin typeface="Hoefler Text"/>
+                </a:rPr>
                 <a:t>400€</a:t>
               </a:r>
-              <a:endParaRPr lang="fr-FR" sz="4400" dirty="0"/>
+              <a:endParaRPr lang="fr-FR" sz="4400" dirty="0">
+                <a:latin typeface="Hoefler Text"/>
+              </a:endParaRPr>
             </a:p>
           </p:txBody>
         </p:sp>
@@ -9894,37 +9598,895 @@
             <a:p>
               <a:pPr algn="ctr"/>
               <a:r>
-                <a:rPr lang="fr-FR" sz="3600" dirty="0" smtClean="0"/>
+                <a:rPr lang="fr-FR" sz="3600" dirty="0" smtClean="0">
+                  <a:latin typeface="Hoefler Text"/>
+                </a:rPr>
                 <a:t>-</a:t>
               </a:r>
               <a:r>
-                <a:rPr lang="fr-FR" sz="4400" dirty="0" smtClean="0"/>
+                <a:rPr lang="fr-FR" sz="4400" dirty="0" smtClean="0">
+                  <a:latin typeface="Hoefler Text"/>
+                </a:rPr>
                 <a:t>12</a:t>
               </a:r>
               <a:r>
-                <a:rPr lang="fr-FR" sz="3600" dirty="0" smtClean="0"/>
+                <a:rPr lang="fr-FR" sz="3600" dirty="0" smtClean="0">
+                  <a:latin typeface="Hoefler Text"/>
+                </a:rPr>
                 <a:t>% </a:t>
               </a:r>
               <a:br>
-                <a:rPr lang="fr-FR" sz="3600" dirty="0" smtClean="0"/>
+                <a:rPr lang="fr-FR" sz="3600" dirty="0" smtClean="0">
+                  <a:latin typeface="Hoefler Text"/>
+                </a:rPr>
               </a:br>
               <a:r>
-                <a:rPr lang="fr-FR" sz="1400" dirty="0" smtClean="0"/>
+                <a:rPr lang="fr-FR" sz="1400" dirty="0" smtClean="0">
+                  <a:latin typeface="Hoefler Text"/>
+                </a:rPr>
                 <a:t>of CO2 </a:t>
               </a:r>
               <a:r>
-                <a:rPr lang="fr-FR" sz="1400" dirty="0" err="1" smtClean="0"/>
+                <a:rPr lang="fr-FR" sz="1400" dirty="0" err="1" smtClean="0">
+                  <a:latin typeface="Hoefler Text"/>
+                </a:rPr>
                 <a:t>from</a:t>
               </a:r>
               <a:r>
-                <a:rPr lang="fr-FR" sz="1400" dirty="0" smtClean="0"/>
+                <a:rPr lang="fr-FR" sz="1400" dirty="0" smtClean="0">
+                  <a:latin typeface="Hoefler Text"/>
+                </a:rPr>
                 <a:t> transportation </a:t>
               </a:r>
-              <a:endParaRPr lang="fr-FR" sz="1400" dirty="0"/>
+              <a:endParaRPr lang="fr-FR" sz="1400" dirty="0">
+                <a:latin typeface="Hoefler Text"/>
+              </a:endParaRPr>
             </a:p>
           </p:txBody>
         </p:sp>
       </p:grpSp>
+      <p:grpSp>
+        <p:nvGrpSpPr>
+          <p:cNvPr id="2" name="Group 1"/>
+          <p:cNvGrpSpPr/>
+          <p:nvPr/>
+        </p:nvGrpSpPr>
+        <p:grpSpPr>
+          <a:xfrm>
+            <a:off x="51368" y="786768"/>
+            <a:ext cx="3485743" cy="2286001"/>
+            <a:chOff x="51368" y="786768"/>
+            <a:chExt cx="3485743" cy="2286001"/>
+          </a:xfrm>
+        </p:grpSpPr>
+        <p:pic>
+          <p:nvPicPr>
+            <p:cNvPr id="1026" name="Picture 2" descr="https://dub120.afx.ms/att/GetInline.aspx?messageid=238cc397-142b-11e5-a9bf-00215ad7bb44&amp;attindex=0&amp;cp=-1&amp;attdepth=0&amp;imgsrc=cid%3a44D9AD8E-574D-416B-927A-5368390146D3&amp;cid=2d1bf4eef46f45fc&amp;hm__login=akilalmassine&amp;hm__domain=hotmail.fr&amp;ip=10.111.8.8&amp;d=d808&amp;mf=0&amp;hm__ts=Tue%2c%2016%20Jun%202015%2013%3a25%3a41%20GMT&amp;st=%2800067FFE9E233DA2%29&amp;hm__ha=01_71633c412c9e09b90503d3aec971b14e6ad96af6f593862feab9ff61c1431b09&amp;oneredir=1"/>
+            <p:cNvPicPr>
+              <a:picLocks noChangeAspect="1" noChangeArrowheads="1"/>
+            </p:cNvPicPr>
+            <p:nvPr/>
+          </p:nvPicPr>
+          <p:blipFill>
+            <a:blip r:embed="rId4">
+              <a:extLst>
+                <a:ext uri="{28A0092B-C50C-407E-A947-70E740481C1C}">
+                  <a14:useLocalDpi xmlns:a14="http://schemas.microsoft.com/office/drawing/2010/main" val="0"/>
+                </a:ext>
+              </a:extLst>
+            </a:blip>
+            <a:srcRect/>
+            <a:stretch>
+              <a:fillRect/>
+            </a:stretch>
+          </p:blipFill>
+          <p:spPr bwMode="auto">
+            <a:xfrm rot="792790">
+              <a:off x="51368" y="786768"/>
+              <a:ext cx="2952750" cy="2286001"/>
+            </a:xfrm>
+            <a:prstGeom prst="rect">
+              <a:avLst/>
+            </a:prstGeom>
+            <a:noFill/>
+            <a:extLst>
+              <a:ext uri="{909E8E84-426E-40DD-AFC4-6F175D3DCCD1}">
+                <a14:hiddenFill xmlns:a14="http://schemas.microsoft.com/office/drawing/2010/main">
+                  <a:solidFill>
+                    <a:srgbClr val="FFFFFF"/>
+                  </a:solidFill>
+                </a14:hiddenFill>
+              </a:ext>
+            </a:extLst>
+          </p:spPr>
+        </p:pic>
+        <p:sp>
+          <p:nvSpPr>
+            <p:cNvPr id="41" name="TextBox 40"/>
+            <p:cNvSpPr txBox="1"/>
+            <p:nvPr/>
+          </p:nvSpPr>
+          <p:spPr>
+            <a:xfrm>
+              <a:off x="588266" y="1825581"/>
+              <a:ext cx="1504709" cy="369332"/>
+            </a:xfrm>
+            <a:prstGeom prst="rect">
+              <a:avLst/>
+            </a:prstGeom>
+            <a:noFill/>
+          </p:spPr>
+          <p:txBody>
+            <a:bodyPr wrap="square" rtlCol="0">
+              <a:spAutoFit/>
+            </a:bodyPr>
+            <a:lstStyle/>
+            <a:p>
+              <a:r>
+                <a:rPr lang="fr-FR" dirty="0">
+                  <a:solidFill>
+                    <a:srgbClr val="F6F1E5"/>
+                  </a:solidFill>
+                  <a:latin typeface="Hoefler Text"/>
+                  <a:cs typeface="Hoefler Text"/>
+                </a:rPr>
+                <a:t>6,2 L/100km</a:t>
+              </a:r>
+              <a:endParaRPr lang="fr-FR" dirty="0">
+                <a:solidFill>
+                  <a:srgbClr val="F6F1E5"/>
+                </a:solidFill>
+                <a:latin typeface="Hoefler Text"/>
+                <a:cs typeface="Hoefler Text"/>
+              </a:endParaRPr>
+            </a:p>
+          </p:txBody>
+        </p:sp>
+        <p:sp>
+          <p:nvSpPr>
+            <p:cNvPr id="42" name="Oval 41"/>
+            <p:cNvSpPr/>
+            <p:nvPr/>
+          </p:nvSpPr>
+          <p:spPr>
+            <a:xfrm>
+              <a:off x="2092975" y="952597"/>
+              <a:ext cx="1444136" cy="1346200"/>
+            </a:xfrm>
+            <a:prstGeom prst="ellipse">
+              <a:avLst/>
+            </a:prstGeom>
+            <a:gradFill flip="none" rotWithShape="1">
+              <a:gsLst>
+                <a:gs pos="0">
+                  <a:srgbClr val="568E77">
+                    <a:shade val="30000"/>
+                    <a:satMod val="115000"/>
+                  </a:srgbClr>
+                </a:gs>
+                <a:gs pos="50000">
+                  <a:srgbClr val="568E77">
+                    <a:shade val="67500"/>
+                    <a:satMod val="115000"/>
+                  </a:srgbClr>
+                </a:gs>
+                <a:gs pos="100000">
+                  <a:srgbClr val="568E77">
+                    <a:shade val="100000"/>
+                    <a:satMod val="115000"/>
+                  </a:srgbClr>
+                </a:gs>
+              </a:gsLst>
+              <a:lin ang="2700000" scaled="1"/>
+              <a:tileRect/>
+            </a:gradFill>
+            <a:ln>
+              <a:noFill/>
+            </a:ln>
+          </p:spPr>
+          <p:style>
+            <a:lnRef idx="1">
+              <a:schemeClr val="accent1"/>
+            </a:lnRef>
+            <a:fillRef idx="3">
+              <a:schemeClr val="accent1"/>
+            </a:fillRef>
+            <a:effectRef idx="2">
+              <a:schemeClr val="accent1"/>
+            </a:effectRef>
+            <a:fontRef idx="minor">
+              <a:schemeClr val="lt1"/>
+            </a:fontRef>
+          </p:style>
+          <p:txBody>
+            <a:bodyPr rtlCol="0" anchor="ctr"/>
+            <a:lstStyle/>
+            <a:p>
+              <a:pPr algn="ctr"/>
+              <a:r>
+                <a:rPr lang="fr-FR" dirty="0" smtClean="0">
+                  <a:latin typeface="Hoefler Text"/>
+                </a:rPr>
+                <a:t>62% of the cars</a:t>
+              </a:r>
+              <a:endParaRPr lang="fr-FR" dirty="0">
+                <a:latin typeface="Hoefler Text"/>
+              </a:endParaRPr>
+            </a:p>
+          </p:txBody>
+        </p:sp>
+      </p:grpSp>
+      <p:grpSp>
+        <p:nvGrpSpPr>
+          <p:cNvPr id="43" name="Group 42"/>
+          <p:cNvGrpSpPr/>
+          <p:nvPr/>
+        </p:nvGrpSpPr>
+        <p:grpSpPr>
+          <a:xfrm>
+            <a:off x="5503066" y="806141"/>
+            <a:ext cx="3485743" cy="2286001"/>
+            <a:chOff x="51368" y="786768"/>
+            <a:chExt cx="3485743" cy="2286001"/>
+          </a:xfrm>
+        </p:grpSpPr>
+        <p:pic>
+          <p:nvPicPr>
+            <p:cNvPr id="44" name="Picture 2" descr="https://dub120.afx.ms/att/GetInline.aspx?messageid=238cc397-142b-11e5-a9bf-00215ad7bb44&amp;attindex=0&amp;cp=-1&amp;attdepth=0&amp;imgsrc=cid%3a44D9AD8E-574D-416B-927A-5368390146D3&amp;cid=2d1bf4eef46f45fc&amp;hm__login=akilalmassine&amp;hm__domain=hotmail.fr&amp;ip=10.111.8.8&amp;d=d808&amp;mf=0&amp;hm__ts=Tue%2c%2016%20Jun%202015%2013%3a25%3a41%20GMT&amp;st=%2800067FFE9E233DA2%29&amp;hm__ha=01_71633c412c9e09b90503d3aec971b14e6ad96af6f593862feab9ff61c1431b09&amp;oneredir=1"/>
+            <p:cNvPicPr>
+              <a:picLocks noChangeAspect="1" noChangeArrowheads="1"/>
+            </p:cNvPicPr>
+            <p:nvPr/>
+          </p:nvPicPr>
+          <p:blipFill>
+            <a:blip r:embed="rId4">
+              <a:extLst>
+                <a:ext uri="{28A0092B-C50C-407E-A947-70E740481C1C}">
+                  <a14:useLocalDpi xmlns:a14="http://schemas.microsoft.com/office/drawing/2010/main" val="0"/>
+                </a:ext>
+              </a:extLst>
+            </a:blip>
+            <a:srcRect/>
+            <a:stretch>
+              <a:fillRect/>
+            </a:stretch>
+          </p:blipFill>
+          <p:spPr bwMode="auto">
+            <a:xfrm rot="792790">
+              <a:off x="51368" y="786768"/>
+              <a:ext cx="2952750" cy="2286001"/>
+            </a:xfrm>
+            <a:prstGeom prst="rect">
+              <a:avLst/>
+            </a:prstGeom>
+            <a:noFill/>
+            <a:extLst>
+              <a:ext uri="{909E8E84-426E-40DD-AFC4-6F175D3DCCD1}">
+                <a14:hiddenFill xmlns:a14="http://schemas.microsoft.com/office/drawing/2010/main">
+                  <a:solidFill>
+                    <a:srgbClr val="FFFFFF"/>
+                  </a:solidFill>
+                </a14:hiddenFill>
+              </a:ext>
+            </a:extLst>
+          </p:spPr>
+        </p:pic>
+        <p:sp>
+          <p:nvSpPr>
+            <p:cNvPr id="45" name="TextBox 44"/>
+            <p:cNvSpPr txBox="1"/>
+            <p:nvPr/>
+          </p:nvSpPr>
+          <p:spPr>
+            <a:xfrm>
+              <a:off x="588266" y="1825581"/>
+              <a:ext cx="1504709" cy="369332"/>
+            </a:xfrm>
+            <a:prstGeom prst="rect">
+              <a:avLst/>
+            </a:prstGeom>
+            <a:noFill/>
+          </p:spPr>
+          <p:txBody>
+            <a:bodyPr wrap="square" rtlCol="0">
+              <a:spAutoFit/>
+            </a:bodyPr>
+            <a:lstStyle/>
+            <a:p>
+              <a:r>
+                <a:rPr lang="fr-FR" dirty="0" smtClean="0">
+                  <a:solidFill>
+                    <a:srgbClr val="F6F1E5"/>
+                  </a:solidFill>
+                  <a:latin typeface="Hoefler Text"/>
+                  <a:cs typeface="Hoefler Text"/>
+                </a:rPr>
+                <a:t>7,5 </a:t>
+              </a:r>
+              <a:r>
+                <a:rPr lang="fr-FR" dirty="0">
+                  <a:solidFill>
+                    <a:srgbClr val="F6F1E5"/>
+                  </a:solidFill>
+                  <a:latin typeface="Hoefler Text"/>
+                  <a:cs typeface="Hoefler Text"/>
+                </a:rPr>
+                <a:t>L/100km</a:t>
+              </a:r>
+              <a:endParaRPr lang="fr-FR" dirty="0">
+                <a:solidFill>
+                  <a:srgbClr val="F6F1E5"/>
+                </a:solidFill>
+                <a:latin typeface="Hoefler Text"/>
+                <a:cs typeface="Hoefler Text"/>
+              </a:endParaRPr>
+            </a:p>
+          </p:txBody>
+        </p:sp>
+        <p:sp>
+          <p:nvSpPr>
+            <p:cNvPr id="46" name="Oval 45"/>
+            <p:cNvSpPr/>
+            <p:nvPr/>
+          </p:nvSpPr>
+          <p:spPr>
+            <a:xfrm>
+              <a:off x="2092975" y="952597"/>
+              <a:ext cx="1444136" cy="1346200"/>
+            </a:xfrm>
+            <a:prstGeom prst="ellipse">
+              <a:avLst/>
+            </a:prstGeom>
+            <a:gradFill flip="none" rotWithShape="1">
+              <a:gsLst>
+                <a:gs pos="0">
+                  <a:srgbClr val="568E77">
+                    <a:shade val="30000"/>
+                    <a:satMod val="115000"/>
+                  </a:srgbClr>
+                </a:gs>
+                <a:gs pos="50000">
+                  <a:srgbClr val="568E77">
+                    <a:shade val="67500"/>
+                    <a:satMod val="115000"/>
+                  </a:srgbClr>
+                </a:gs>
+                <a:gs pos="100000">
+                  <a:srgbClr val="568E77">
+                    <a:shade val="100000"/>
+                    <a:satMod val="115000"/>
+                  </a:srgbClr>
+                </a:gs>
+              </a:gsLst>
+              <a:lin ang="2700000" scaled="1"/>
+              <a:tileRect/>
+            </a:gradFill>
+            <a:ln>
+              <a:noFill/>
+            </a:ln>
+          </p:spPr>
+          <p:style>
+            <a:lnRef idx="1">
+              <a:schemeClr val="accent1"/>
+            </a:lnRef>
+            <a:fillRef idx="3">
+              <a:schemeClr val="accent1"/>
+            </a:fillRef>
+            <a:effectRef idx="2">
+              <a:schemeClr val="accent1"/>
+            </a:effectRef>
+            <a:fontRef idx="minor">
+              <a:schemeClr val="lt1"/>
+            </a:fontRef>
+          </p:style>
+          <p:txBody>
+            <a:bodyPr rtlCol="0" anchor="ctr"/>
+            <a:lstStyle/>
+            <a:p>
+              <a:pPr algn="ctr"/>
+              <a:r>
+                <a:rPr lang="fr-FR" dirty="0" smtClean="0">
+                  <a:latin typeface="Hoefler Text"/>
+                </a:rPr>
+                <a:t>38% </a:t>
+              </a:r>
+              <a:r>
+                <a:rPr lang="fr-FR" dirty="0" smtClean="0">
+                  <a:latin typeface="Hoefler Text"/>
+                </a:rPr>
+                <a:t>of the cars</a:t>
+              </a:r>
+              <a:endParaRPr lang="fr-FR" dirty="0">
+                <a:latin typeface="Hoefler Text"/>
+              </a:endParaRPr>
+            </a:p>
+          </p:txBody>
+        </p:sp>
+      </p:grpSp>
+      <p:sp>
+        <p:nvSpPr>
+          <p:cNvPr id="50" name="Rounded Rectangle 49"/>
+          <p:cNvSpPr/>
+          <p:nvPr/>
+        </p:nvSpPr>
+        <p:spPr>
+          <a:xfrm>
+            <a:off x="8258704" y="2832138"/>
+            <a:ext cx="447554" cy="369332"/>
+          </a:xfrm>
+          <a:prstGeom prst="roundRect">
+            <a:avLst>
+              <a:gd name="adj" fmla="val 32337"/>
+            </a:avLst>
+          </a:prstGeom>
+          <a:solidFill>
+            <a:srgbClr val="BFBFBF"/>
+          </a:solidFill>
+        </p:spPr>
+        <p:style>
+          <a:lnRef idx="1">
+            <a:schemeClr val="accent1"/>
+          </a:lnRef>
+          <a:fillRef idx="3">
+            <a:schemeClr val="accent1"/>
+          </a:fillRef>
+          <a:effectRef idx="2">
+            <a:schemeClr val="accent1"/>
+          </a:effectRef>
+          <a:fontRef idx="minor">
+            <a:schemeClr val="lt1"/>
+          </a:fontRef>
+        </p:style>
+        <p:txBody>
+          <a:bodyPr rtlCol="0" anchor="ctr"/>
+          <a:lstStyle/>
+          <a:p>
+            <a:pPr algn="ctr"/>
+            <a:endParaRPr lang="fr-FR" dirty="0"/>
+          </a:p>
+        </p:txBody>
+      </p:sp>
+      <p:sp>
+        <p:nvSpPr>
+          <p:cNvPr id="51" name="Rounded Rectangle 50"/>
+          <p:cNvSpPr/>
+          <p:nvPr/>
+        </p:nvSpPr>
+        <p:spPr>
+          <a:xfrm>
+            <a:off x="3675334" y="2832138"/>
+            <a:ext cx="450098" cy="369332"/>
+          </a:xfrm>
+          <a:prstGeom prst="roundRect">
+            <a:avLst>
+              <a:gd name="adj" fmla="val 32337"/>
+            </a:avLst>
+          </a:prstGeom>
+          <a:solidFill>
+            <a:srgbClr val="BFBFBF"/>
+          </a:solidFill>
+        </p:spPr>
+        <p:style>
+          <a:lnRef idx="1">
+            <a:schemeClr val="accent1"/>
+          </a:lnRef>
+          <a:fillRef idx="3">
+            <a:schemeClr val="accent1"/>
+          </a:fillRef>
+          <a:effectRef idx="2">
+            <a:schemeClr val="accent1"/>
+          </a:effectRef>
+          <a:fontRef idx="minor">
+            <a:schemeClr val="lt1"/>
+          </a:fontRef>
+        </p:style>
+        <p:txBody>
+          <a:bodyPr rtlCol="0" anchor="ctr"/>
+          <a:lstStyle/>
+          <a:p>
+            <a:pPr algn="ctr"/>
+            <a:endParaRPr lang="fr-FR" dirty="0"/>
+          </a:p>
+        </p:txBody>
+      </p:sp>
+      <p:sp>
+        <p:nvSpPr>
+          <p:cNvPr id="52" name="Rounded Rectangle 51"/>
+          <p:cNvSpPr/>
+          <p:nvPr/>
+        </p:nvSpPr>
+        <p:spPr>
+          <a:xfrm>
+            <a:off x="5343365" y="2832138"/>
+            <a:ext cx="412830" cy="369332"/>
+          </a:xfrm>
+          <a:prstGeom prst="roundRect">
+            <a:avLst>
+              <a:gd name="adj" fmla="val 32337"/>
+            </a:avLst>
+          </a:prstGeom>
+          <a:solidFill>
+            <a:srgbClr val="BFBFBF"/>
+          </a:solidFill>
+        </p:spPr>
+        <p:style>
+          <a:lnRef idx="1">
+            <a:schemeClr val="accent1"/>
+          </a:lnRef>
+          <a:fillRef idx="3">
+            <a:schemeClr val="accent1"/>
+          </a:fillRef>
+          <a:effectRef idx="2">
+            <a:schemeClr val="accent1"/>
+          </a:effectRef>
+          <a:fontRef idx="minor">
+            <a:schemeClr val="lt1"/>
+          </a:fontRef>
+        </p:style>
+        <p:txBody>
+          <a:bodyPr rtlCol="0" anchor="ctr"/>
+          <a:lstStyle/>
+          <a:p>
+            <a:pPr algn="ctr"/>
+            <a:endParaRPr lang="fr-FR" dirty="0"/>
+          </a:p>
+        </p:txBody>
+      </p:sp>
+      <p:sp>
+        <p:nvSpPr>
+          <p:cNvPr id="53" name="Rounded Rectangle 52"/>
+          <p:cNvSpPr/>
+          <p:nvPr/>
+        </p:nvSpPr>
+        <p:spPr>
+          <a:xfrm>
+            <a:off x="2813464" y="2832138"/>
+            <a:ext cx="412830" cy="369332"/>
+          </a:xfrm>
+          <a:prstGeom prst="roundRect">
+            <a:avLst>
+              <a:gd name="adj" fmla="val 32337"/>
+            </a:avLst>
+          </a:prstGeom>
+          <a:solidFill>
+            <a:srgbClr val="BFBFBF"/>
+          </a:solidFill>
+        </p:spPr>
+        <p:style>
+          <a:lnRef idx="1">
+            <a:schemeClr val="accent1"/>
+          </a:lnRef>
+          <a:fillRef idx="3">
+            <a:schemeClr val="accent1"/>
+          </a:fillRef>
+          <a:effectRef idx="2">
+            <a:schemeClr val="accent1"/>
+          </a:effectRef>
+          <a:fontRef idx="minor">
+            <a:schemeClr val="lt1"/>
+          </a:fontRef>
+        </p:style>
+        <p:txBody>
+          <a:bodyPr rtlCol="0" anchor="ctr"/>
+          <a:lstStyle/>
+          <a:p>
+            <a:pPr algn="ctr"/>
+            <a:endParaRPr lang="fr-FR" dirty="0"/>
+          </a:p>
+        </p:txBody>
+      </p:sp>
+      <p:sp>
+        <p:nvSpPr>
+          <p:cNvPr id="54" name="Rounded Rectangle 53"/>
+          <p:cNvSpPr/>
+          <p:nvPr/>
+        </p:nvSpPr>
+        <p:spPr>
+          <a:xfrm>
+            <a:off x="0" y="2832138"/>
+            <a:ext cx="412830" cy="369332"/>
+          </a:xfrm>
+          <a:prstGeom prst="roundRect">
+            <a:avLst>
+              <a:gd name="adj" fmla="val 32337"/>
+            </a:avLst>
+          </a:prstGeom>
+          <a:solidFill>
+            <a:srgbClr val="BFBFBF"/>
+          </a:solidFill>
+        </p:spPr>
+        <p:style>
+          <a:lnRef idx="1">
+            <a:schemeClr val="accent1"/>
+          </a:lnRef>
+          <a:fillRef idx="3">
+            <a:schemeClr val="accent1"/>
+          </a:fillRef>
+          <a:effectRef idx="2">
+            <a:schemeClr val="accent1"/>
+          </a:effectRef>
+          <a:fontRef idx="minor">
+            <a:schemeClr val="lt1"/>
+          </a:fontRef>
+        </p:style>
+        <p:txBody>
+          <a:bodyPr rtlCol="0" anchor="ctr"/>
+          <a:lstStyle/>
+          <a:p>
+            <a:pPr algn="ctr"/>
+            <a:endParaRPr lang="fr-FR" dirty="0"/>
+          </a:p>
+        </p:txBody>
+      </p:sp>
+      <p:grpSp>
+        <p:nvGrpSpPr>
+          <p:cNvPr id="4" name="Group 3"/>
+          <p:cNvGrpSpPr/>
+          <p:nvPr/>
+        </p:nvGrpSpPr>
+        <p:grpSpPr>
+          <a:xfrm>
+            <a:off x="588267" y="2826901"/>
+            <a:ext cx="2048608" cy="369332"/>
+            <a:chOff x="775794" y="3142889"/>
+            <a:chExt cx="1732859" cy="369332"/>
+          </a:xfrm>
+        </p:grpSpPr>
+        <p:sp>
+          <p:nvSpPr>
+            <p:cNvPr id="3" name="Rounded Rectangle 2"/>
+            <p:cNvSpPr/>
+            <p:nvPr/>
+          </p:nvSpPr>
+          <p:spPr>
+            <a:xfrm>
+              <a:off x="775794" y="3142889"/>
+              <a:ext cx="1675756" cy="369332"/>
+            </a:xfrm>
+            <a:prstGeom prst="roundRect">
+              <a:avLst>
+                <a:gd name="adj" fmla="val 32337"/>
+              </a:avLst>
+            </a:prstGeom>
+            <a:solidFill>
+              <a:srgbClr val="BFBFBF"/>
+            </a:solidFill>
+          </p:spPr>
+          <p:style>
+            <a:lnRef idx="1">
+              <a:schemeClr val="accent1"/>
+            </a:lnRef>
+            <a:fillRef idx="3">
+              <a:schemeClr val="accent1"/>
+            </a:fillRef>
+            <a:effectRef idx="2">
+              <a:schemeClr val="accent1"/>
+            </a:effectRef>
+            <a:fontRef idx="minor">
+              <a:schemeClr val="lt1"/>
+            </a:fontRef>
+          </p:style>
+          <p:txBody>
+            <a:bodyPr rtlCol="0" anchor="ctr"/>
+            <a:lstStyle/>
+            <a:p>
+              <a:pPr algn="ctr"/>
+              <a:endParaRPr lang="fr-FR"/>
+            </a:p>
+          </p:txBody>
+        </p:sp>
+        <p:sp>
+          <p:nvSpPr>
+            <p:cNvPr id="55" name="TextBox 54"/>
+            <p:cNvSpPr txBox="1"/>
+            <p:nvPr/>
+          </p:nvSpPr>
+          <p:spPr>
+            <a:xfrm>
+              <a:off x="832897" y="3142889"/>
+              <a:ext cx="1675756" cy="369332"/>
+            </a:xfrm>
+            <a:prstGeom prst="rect">
+              <a:avLst/>
+            </a:prstGeom>
+            <a:noFill/>
+          </p:spPr>
+          <p:txBody>
+            <a:bodyPr wrap="square" rtlCol="0">
+              <a:spAutoFit/>
+            </a:bodyPr>
+            <a:lstStyle/>
+            <a:p>
+              <a:r>
+                <a:rPr lang="fr-FR" dirty="0">
+                  <a:solidFill>
+                    <a:srgbClr val="FF8153"/>
+                  </a:solidFill>
+                  <a:latin typeface="Hoefler Text"/>
+                  <a:ea typeface="Microsoft YaHei" charset="0"/>
+                  <a:cs typeface="Hoefler Text"/>
+                </a:rPr>
+                <a:t>15477 km/</a:t>
+              </a:r>
+              <a:r>
+                <a:rPr lang="fr-FR" dirty="0" err="1">
+                  <a:solidFill>
+                    <a:srgbClr val="FF8153"/>
+                  </a:solidFill>
+                  <a:latin typeface="Hoefler Text"/>
+                  <a:ea typeface="Microsoft YaHei" charset="0"/>
+                  <a:cs typeface="Hoefler Text"/>
+                </a:rPr>
+                <a:t>Year</a:t>
+              </a:r>
+              <a:endParaRPr lang="fr-FR" dirty="0">
+                <a:solidFill>
+                  <a:srgbClr val="FF8153"/>
+                </a:solidFill>
+                <a:latin typeface="Hoefler Text"/>
+                <a:ea typeface="Microsoft YaHei" charset="0"/>
+                <a:cs typeface="Hoefler Text"/>
+              </a:endParaRPr>
+            </a:p>
+          </p:txBody>
+        </p:sp>
+      </p:grpSp>
+      <p:grpSp>
+        <p:nvGrpSpPr>
+          <p:cNvPr id="60" name="Group 59"/>
+          <p:cNvGrpSpPr/>
+          <p:nvPr/>
+        </p:nvGrpSpPr>
+        <p:grpSpPr>
+          <a:xfrm>
+            <a:off x="5943600" y="2826901"/>
+            <a:ext cx="2179881" cy="369332"/>
+            <a:chOff x="775794" y="3142889"/>
+            <a:chExt cx="1732859" cy="369332"/>
+          </a:xfrm>
+        </p:grpSpPr>
+        <p:sp>
+          <p:nvSpPr>
+            <p:cNvPr id="61" name="Rounded Rectangle 60"/>
+            <p:cNvSpPr/>
+            <p:nvPr/>
+          </p:nvSpPr>
+          <p:spPr>
+            <a:xfrm>
+              <a:off x="775794" y="3142889"/>
+              <a:ext cx="1675756" cy="369332"/>
+            </a:xfrm>
+            <a:prstGeom prst="roundRect">
+              <a:avLst>
+                <a:gd name="adj" fmla="val 32337"/>
+              </a:avLst>
+            </a:prstGeom>
+            <a:solidFill>
+              <a:srgbClr val="BFBFBF"/>
+            </a:solidFill>
+          </p:spPr>
+          <p:style>
+            <a:lnRef idx="1">
+              <a:schemeClr val="accent1"/>
+            </a:lnRef>
+            <a:fillRef idx="3">
+              <a:schemeClr val="accent1"/>
+            </a:fillRef>
+            <a:effectRef idx="2">
+              <a:schemeClr val="accent1"/>
+            </a:effectRef>
+            <a:fontRef idx="minor">
+              <a:schemeClr val="lt1"/>
+            </a:fontRef>
+          </p:style>
+          <p:txBody>
+            <a:bodyPr rtlCol="0" anchor="ctr"/>
+            <a:lstStyle/>
+            <a:p>
+              <a:pPr algn="ctr"/>
+              <a:endParaRPr lang="fr-FR"/>
+            </a:p>
+          </p:txBody>
+        </p:sp>
+        <p:sp>
+          <p:nvSpPr>
+            <p:cNvPr id="62" name="TextBox 61"/>
+            <p:cNvSpPr txBox="1"/>
+            <p:nvPr/>
+          </p:nvSpPr>
+          <p:spPr>
+            <a:xfrm>
+              <a:off x="832897" y="3142889"/>
+              <a:ext cx="1675756" cy="369332"/>
+            </a:xfrm>
+            <a:prstGeom prst="rect">
+              <a:avLst/>
+            </a:prstGeom>
+            <a:noFill/>
+          </p:spPr>
+          <p:txBody>
+            <a:bodyPr wrap="square" rtlCol="0">
+              <a:spAutoFit/>
+            </a:bodyPr>
+            <a:lstStyle/>
+            <a:p>
+              <a:r>
+                <a:rPr lang="fr-FR" dirty="0">
+                  <a:solidFill>
+                    <a:srgbClr val="FF8153"/>
+                  </a:solidFill>
+                  <a:latin typeface="Hoefler Text"/>
+                  <a:ea typeface="Microsoft YaHei" charset="0"/>
+                  <a:cs typeface="Hoefler Text"/>
+                </a:rPr>
+                <a:t>8225 km/</a:t>
+              </a:r>
+              <a:r>
+                <a:rPr lang="fr-FR" dirty="0" err="1">
+                  <a:solidFill>
+                    <a:srgbClr val="FF8153"/>
+                  </a:solidFill>
+                  <a:latin typeface="Hoefler Text"/>
+                  <a:ea typeface="Microsoft YaHei" charset="0"/>
+                  <a:cs typeface="Hoefler Text"/>
+                </a:rPr>
+                <a:t>Year</a:t>
+              </a:r>
+              <a:endParaRPr lang="fr-FR" dirty="0">
+                <a:solidFill>
+                  <a:srgbClr val="FF8153"/>
+                </a:solidFill>
+                <a:latin typeface="Hoefler Text"/>
+                <a:ea typeface="Microsoft YaHei" charset="0"/>
+                <a:cs typeface="Hoefler Text"/>
+              </a:endParaRPr>
+            </a:p>
+          </p:txBody>
+        </p:sp>
+      </p:grpSp>
+      <p:sp>
+        <p:nvSpPr>
+          <p:cNvPr id="63" name="Rounded Rectangle 62"/>
+          <p:cNvSpPr/>
+          <p:nvPr/>
+        </p:nvSpPr>
+        <p:spPr>
+          <a:xfrm>
+            <a:off x="4524658" y="2832138"/>
+            <a:ext cx="412830" cy="369332"/>
+          </a:xfrm>
+          <a:prstGeom prst="roundRect">
+            <a:avLst>
+              <a:gd name="adj" fmla="val 32337"/>
+            </a:avLst>
+          </a:prstGeom>
+          <a:solidFill>
+            <a:srgbClr val="BFBFBF"/>
+          </a:solidFill>
+        </p:spPr>
+        <p:style>
+          <a:lnRef idx="1">
+            <a:schemeClr val="accent1"/>
+          </a:lnRef>
+          <a:fillRef idx="3">
+            <a:schemeClr val="accent1"/>
+          </a:fillRef>
+          <a:effectRef idx="2">
+            <a:schemeClr val="accent1"/>
+          </a:effectRef>
+          <a:fontRef idx="minor">
+            <a:schemeClr val="lt1"/>
+          </a:fontRef>
+        </p:style>
+        <p:txBody>
+          <a:bodyPr rtlCol="0" anchor="ctr"/>
+          <a:lstStyle/>
+          <a:p>
+            <a:pPr algn="ctr"/>
+            <a:endParaRPr lang="fr-FR" dirty="0"/>
+          </a:p>
+        </p:txBody>
+      </p:sp>
     </p:spTree>
     <p:extLst>
       <p:ext uri="{BB962C8B-B14F-4D97-AF65-F5344CB8AC3E}">
@@ -9935,6 +10497,13 @@
   <p:clrMapOvr>
     <a:masterClrMapping/>
   </p:clrMapOvr>
+  <p:timing>
+    <p:tnLst>
+      <p:par>
+        <p:cTn id="1" dur="indefinite" restart="never" nodeType="tmRoot"/>
+      </p:par>
+    </p:tnLst>
+  </p:timing>
 </p:sld>
 </file>
 

--- a/Presentations/Final presentation.pptx
+++ b/Presentations/Final presentation.pptx
@@ -9,9 +9,10 @@
     <p:sldId id="258" r:id="rId3"/>
     <p:sldId id="263" r:id="rId4"/>
     <p:sldId id="264" r:id="rId5"/>
-    <p:sldId id="265" r:id="rId6"/>
-    <p:sldId id="261" r:id="rId7"/>
-    <p:sldId id="262" r:id="rId8"/>
+    <p:sldId id="266" r:id="rId6"/>
+    <p:sldId id="265" r:id="rId7"/>
+    <p:sldId id="261" r:id="rId8"/>
+    <p:sldId id="262" r:id="rId9"/>
   </p:sldIdLst>
   <p:sldSz cx="9144000" cy="6858000" type="screen4x3"/>
   <p:notesSz cx="6858000" cy="9144000"/>
@@ -3290,7 +3291,7 @@
           </a:ln>
           <a:extLst>
             <a:ext uri="{91240B29-F687-4f45-9708-019B960494DF}">
-              <a14:hiddenLine xmlns:a14="http://schemas.microsoft.com/office/drawing/2010/main" xmlns="" w="9525">
+              <a14:hiddenLine xmlns="" xmlns:a14="http://schemas.microsoft.com/office/drawing/2010/main" w="9525">
                 <a:solidFill>
                   <a:srgbClr val="000000"/>
                 </a:solidFill>
@@ -3347,7 +3348,7 @@
           </a:ln>
           <a:extLst>
             <a:ext uri="{91240B29-F687-4f45-9708-019B960494DF}">
-              <a14:hiddenLine xmlns:a14="http://schemas.microsoft.com/office/drawing/2010/main" xmlns="" w="9525">
+              <a14:hiddenLine xmlns="" xmlns:a14="http://schemas.microsoft.com/office/drawing/2010/main" w="9525">
                 <a:solidFill>
                   <a:srgbClr val="000000"/>
                 </a:solidFill>
@@ -3404,7 +3405,7 @@
           </a:ln>
           <a:extLst>
             <a:ext uri="{91240B29-F687-4f45-9708-019B960494DF}">
-              <a14:hiddenLine xmlns:a14="http://schemas.microsoft.com/office/drawing/2010/main" xmlns="" w="9525">
+              <a14:hiddenLine xmlns="" xmlns:a14="http://schemas.microsoft.com/office/drawing/2010/main" w="9525">
                 <a:solidFill>
                   <a:srgbClr val="000000"/>
                 </a:solidFill>
@@ -3504,14 +3505,14 @@
           </a:ln>
           <a:extLst>
             <a:ext uri="{909E8E84-426E-40dd-AFC4-6F175D3DCCD1}">
-              <a14:hiddenFill xmlns:a14="http://schemas.microsoft.com/office/drawing/2010/main" xmlns="">
+              <a14:hiddenFill xmlns="" xmlns:a14="http://schemas.microsoft.com/office/drawing/2010/main">
                 <a:solidFill>
                   <a:srgbClr val="FFFFFF"/>
                 </a:solidFill>
               </a14:hiddenFill>
             </a:ext>
             <a:ext uri="{91240B29-F687-4f45-9708-019B960494DF}">
-              <a14:hiddenLine xmlns:a14="http://schemas.microsoft.com/office/drawing/2010/main" xmlns="" w="9525">
+              <a14:hiddenLine xmlns="" xmlns:a14="http://schemas.microsoft.com/office/drawing/2010/main" w="9525">
                 <a:solidFill>
                   <a:schemeClr val="bg1"/>
                 </a:solidFill>
@@ -3922,14 +3923,14 @@
           </a:ln>
           <a:extLst>
             <a:ext uri="{909E8E84-426E-40dd-AFC4-6F175D3DCCD1}">
-              <a14:hiddenFill xmlns:a14="http://schemas.microsoft.com/office/drawing/2010/main" xmlns="">
+              <a14:hiddenFill xmlns="" xmlns:a14="http://schemas.microsoft.com/office/drawing/2010/main">
                 <a:solidFill>
                   <a:srgbClr val="FFFFFF"/>
                 </a:solidFill>
               </a14:hiddenFill>
             </a:ext>
             <a:ext uri="{91240B29-F687-4f45-9708-019B960494DF}">
-              <a14:hiddenLine xmlns:a14="http://schemas.microsoft.com/office/drawing/2010/main" xmlns="" w="9525">
+              <a14:hiddenLine xmlns="" xmlns:a14="http://schemas.microsoft.com/office/drawing/2010/main" w="9525">
                 <a:solidFill>
                   <a:schemeClr val="bg1"/>
                 </a:solidFill>
@@ -4202,14 +4203,14 @@
           <a:effectLst/>
           <a:extLst>
             <a:ext uri="{909E8E84-426E-40dd-AFC4-6F175D3DCCD1}">
-              <a14:hiddenFill xmlns:a14="http://schemas.microsoft.com/office/drawing/2010/main" xmlns="">
+              <a14:hiddenFill xmlns="" xmlns:a14="http://schemas.microsoft.com/office/drawing/2010/main">
                 <a:solidFill>
                   <a:srgbClr val="FFFFFF"/>
                 </a:solidFill>
               </a14:hiddenFill>
             </a:ext>
             <a:ext uri="{91240B29-F687-4f45-9708-019B960494DF}">
-              <a14:hiddenLine xmlns:a14="http://schemas.microsoft.com/office/drawing/2010/main" xmlns="" w="9525" cap="flat" cmpd="sng">
+              <a14:hiddenLine xmlns="" xmlns:a14="http://schemas.microsoft.com/office/drawing/2010/main" w="9525" cap="flat" cmpd="sng">
                 <a:solidFill>
                   <a:schemeClr val="bg1"/>
                 </a:solidFill>
@@ -4219,7 +4220,7 @@
               </a14:hiddenLine>
             </a:ext>
             <a:ext uri="{AF507438-7753-43e0-B8FC-AC1667EBCBE1}">
-              <a14:hiddenEffects xmlns:a14="http://schemas.microsoft.com/office/drawing/2010/main" xmlns="">
+              <a14:hiddenEffects xmlns="" xmlns:a14="http://schemas.microsoft.com/office/drawing/2010/main">
                 <a:effectLst>
                   <a:outerShdw blurRad="63500" dist="38099" dir="2700000" algn="ctr" rotWithShape="0">
                     <a:srgbClr val="808080">
@@ -4415,14 +4416,14 @@
           <a:effectLst/>
           <a:extLst>
             <a:ext uri="{909E8E84-426E-40dd-AFC4-6F175D3DCCD1}">
-              <a14:hiddenFill xmlns:a14="http://schemas.microsoft.com/office/drawing/2010/main" xmlns="">
+              <a14:hiddenFill xmlns="" xmlns:a14="http://schemas.microsoft.com/office/drawing/2010/main">
                 <a:solidFill>
                   <a:srgbClr val="FFFFFF"/>
                 </a:solidFill>
               </a14:hiddenFill>
             </a:ext>
             <a:ext uri="{91240B29-F687-4f45-9708-019B960494DF}">
-              <a14:hiddenLine xmlns:a14="http://schemas.microsoft.com/office/drawing/2010/main" xmlns="" w="9525" cap="flat" cmpd="sng">
+              <a14:hiddenLine xmlns="" xmlns:a14="http://schemas.microsoft.com/office/drawing/2010/main" w="9525" cap="flat" cmpd="sng">
                 <a:solidFill>
                   <a:schemeClr val="bg1"/>
                 </a:solidFill>
@@ -4432,7 +4433,7 @@
               </a14:hiddenLine>
             </a:ext>
             <a:ext uri="{AF507438-7753-43e0-B8FC-AC1667EBCBE1}">
-              <a14:hiddenEffects xmlns:a14="http://schemas.microsoft.com/office/drawing/2010/main" xmlns="">
+              <a14:hiddenEffects xmlns="" xmlns:a14="http://schemas.microsoft.com/office/drawing/2010/main">
                 <a:effectLst>
                   <a:outerShdw blurRad="63500" dist="38099" dir="2700000" algn="ctr" rotWithShape="0">
                     <a:srgbClr val="808080">
@@ -4837,7 +4838,7 @@
           </a:effectLst>
           <a:extLst>
             <a:ext uri="{91240B29-F687-4f45-9708-019B960494DF}">
-              <a14:hiddenLine xmlns:a14="http://schemas.microsoft.com/office/drawing/2010/main" xmlns="" w="9525" cap="flat" cmpd="sng">
+              <a14:hiddenLine xmlns="" xmlns:a14="http://schemas.microsoft.com/office/drawing/2010/main" w="9525" cap="flat" cmpd="sng">
                 <a:solidFill>
                   <a:srgbClr val="000000"/>
                 </a:solidFill>
@@ -4894,7 +4895,7 @@
           </a:effectLst>
           <a:extLst>
             <a:ext uri="{91240B29-F687-4f45-9708-019B960494DF}">
-              <a14:hiddenLine xmlns:a14="http://schemas.microsoft.com/office/drawing/2010/main" xmlns="" w="9525" cap="flat" cmpd="sng">
+              <a14:hiddenLine xmlns="" xmlns:a14="http://schemas.microsoft.com/office/drawing/2010/main" w="9525" cap="flat" cmpd="sng">
                 <a:solidFill>
                   <a:srgbClr val="000000"/>
                 </a:solidFill>
@@ -4954,7 +4955,7 @@
           <a:effectLst/>
           <a:extLst>
             <a:ext uri="{AF507438-7753-43e0-B8FC-AC1667EBCBE1}">
-              <a14:hiddenEffects xmlns:a14="http://schemas.microsoft.com/office/drawing/2010/main" xmlns="">
+              <a14:hiddenEffects xmlns="" xmlns:a14="http://schemas.microsoft.com/office/drawing/2010/main">
                 <a:effectLst>
                   <a:outerShdw blurRad="63500" dist="38099" dir="2700000" algn="ctr" rotWithShape="0">
                     <a:schemeClr val="bg2">
@@ -5002,12 +5003,12 @@
           <a:effectLst/>
           <a:extLst>
             <a:ext uri="{909E8E84-426E-40dd-AFC4-6F175D3DCCD1}">
-              <a14:hiddenFill xmlns:a14="http://schemas.microsoft.com/office/drawing/2010/main" xmlns="">
+              <a14:hiddenFill xmlns="" xmlns:a14="http://schemas.microsoft.com/office/drawing/2010/main">
                 <a:noFill/>
               </a14:hiddenFill>
             </a:ext>
             <a:ext uri="{AF507438-7753-43e0-B8FC-AC1667EBCBE1}">
-              <a14:hiddenEffects xmlns:a14="http://schemas.microsoft.com/office/drawing/2010/main" xmlns="">
+              <a14:hiddenEffects xmlns="" xmlns:a14="http://schemas.microsoft.com/office/drawing/2010/main">
                 <a:effectLst>
                   <a:outerShdw blurRad="63500" dist="38099" dir="2700000" algn="ctr" rotWithShape="0">
                     <a:schemeClr val="bg2">
@@ -5049,14 +5050,14 @@
           </a:ln>
           <a:extLst>
             <a:ext uri="{909E8E84-426E-40dd-AFC4-6F175D3DCCD1}">
-              <a14:hiddenFill xmlns:a14="http://schemas.microsoft.com/office/drawing/2010/main" xmlns="">
+              <a14:hiddenFill xmlns="" xmlns:a14="http://schemas.microsoft.com/office/drawing/2010/main">
                 <a:solidFill>
                   <a:srgbClr val="FFFFFF"/>
                 </a:solidFill>
               </a14:hiddenFill>
             </a:ext>
             <a:ext uri="{91240B29-F687-4f45-9708-019B960494DF}">
-              <a14:hiddenLine xmlns:a14="http://schemas.microsoft.com/office/drawing/2010/main" xmlns="" w="9525">
+              <a14:hiddenLine xmlns="" xmlns:a14="http://schemas.microsoft.com/office/drawing/2010/main" w="9525">
                 <a:solidFill>
                   <a:srgbClr val="000000"/>
                 </a:solidFill>
@@ -5108,14 +5109,14 @@
           <a:effectLst/>
           <a:extLst>
             <a:ext uri="{909E8E84-426E-40dd-AFC4-6F175D3DCCD1}">
-              <a14:hiddenFill xmlns:a14="http://schemas.microsoft.com/office/drawing/2010/main" xmlns="">
+              <a14:hiddenFill xmlns="" xmlns:a14="http://schemas.microsoft.com/office/drawing/2010/main">
                 <a:solidFill>
                   <a:srgbClr val="FFFFFF"/>
                 </a:solidFill>
               </a14:hiddenFill>
             </a:ext>
             <a:ext uri="{91240B29-F687-4f45-9708-019B960494DF}">
-              <a14:hiddenLine xmlns:a14="http://schemas.microsoft.com/office/drawing/2010/main" xmlns="" w="9525" cap="flat" cmpd="sng">
+              <a14:hiddenLine xmlns="" xmlns:a14="http://schemas.microsoft.com/office/drawing/2010/main" w="9525" cap="flat" cmpd="sng">
                 <a:solidFill>
                   <a:srgbClr val="000000"/>
                 </a:solidFill>
@@ -5125,7 +5126,7 @@
               </a14:hiddenLine>
             </a:ext>
             <a:ext uri="{AF507438-7753-43e0-B8FC-AC1667EBCBE1}">
-              <a14:hiddenEffects xmlns:a14="http://schemas.microsoft.com/office/drawing/2010/main" xmlns="">
+              <a14:hiddenEffects xmlns="" xmlns:a14="http://schemas.microsoft.com/office/drawing/2010/main">
                 <a:effectLst>
                   <a:outerShdw blurRad="63500" dist="38099" dir="2700000" algn="ctr" rotWithShape="0">
                     <a:srgbClr val="808080">
@@ -5177,14 +5178,14 @@
           <a:effectLst/>
           <a:extLst>
             <a:ext uri="{909E8E84-426E-40dd-AFC4-6F175D3DCCD1}">
-              <a14:hiddenFill xmlns:a14="http://schemas.microsoft.com/office/drawing/2010/main" xmlns="">
+              <a14:hiddenFill xmlns="" xmlns:a14="http://schemas.microsoft.com/office/drawing/2010/main">
                 <a:solidFill>
                   <a:srgbClr val="FFFFFF"/>
                 </a:solidFill>
               </a14:hiddenFill>
             </a:ext>
             <a:ext uri="{91240B29-F687-4f45-9708-019B960494DF}">
-              <a14:hiddenLine xmlns:a14="http://schemas.microsoft.com/office/drawing/2010/main" xmlns="" w="9525" cap="flat" cmpd="sng">
+              <a14:hiddenLine xmlns="" xmlns:a14="http://schemas.microsoft.com/office/drawing/2010/main" w="9525" cap="flat" cmpd="sng">
                 <a:solidFill>
                   <a:srgbClr val="000000"/>
                 </a:solidFill>
@@ -5194,7 +5195,7 @@
               </a14:hiddenLine>
             </a:ext>
             <a:ext uri="{AF507438-7753-43e0-B8FC-AC1667EBCBE1}">
-              <a14:hiddenEffects xmlns:a14="http://schemas.microsoft.com/office/drawing/2010/main" xmlns="">
+              <a14:hiddenEffects xmlns="" xmlns:a14="http://schemas.microsoft.com/office/drawing/2010/main">
                 <a:effectLst>
                   <a:outerShdw blurRad="63500" dist="38099" dir="2700000" algn="ctr" rotWithShape="0">
                     <a:srgbClr val="808080">
@@ -5246,14 +5247,14 @@
           <a:effectLst/>
           <a:extLst>
             <a:ext uri="{909E8E84-426E-40dd-AFC4-6F175D3DCCD1}">
-              <a14:hiddenFill xmlns:a14="http://schemas.microsoft.com/office/drawing/2010/main" xmlns="">
+              <a14:hiddenFill xmlns="" xmlns:a14="http://schemas.microsoft.com/office/drawing/2010/main">
                 <a:solidFill>
                   <a:srgbClr val="FFFFFF"/>
                 </a:solidFill>
               </a14:hiddenFill>
             </a:ext>
             <a:ext uri="{91240B29-F687-4f45-9708-019B960494DF}">
-              <a14:hiddenLine xmlns:a14="http://schemas.microsoft.com/office/drawing/2010/main" xmlns="" w="9525" cap="flat" cmpd="sng">
+              <a14:hiddenLine xmlns="" xmlns:a14="http://schemas.microsoft.com/office/drawing/2010/main" w="9525" cap="flat" cmpd="sng">
                 <a:solidFill>
                   <a:srgbClr val="000000"/>
                 </a:solidFill>
@@ -5263,7 +5264,7 @@
               </a14:hiddenLine>
             </a:ext>
             <a:ext uri="{AF507438-7753-43e0-B8FC-AC1667EBCBE1}">
-              <a14:hiddenEffects xmlns:a14="http://schemas.microsoft.com/office/drawing/2010/main" xmlns="">
+              <a14:hiddenEffects xmlns="" xmlns:a14="http://schemas.microsoft.com/office/drawing/2010/main">
                 <a:effectLst>
                   <a:outerShdw blurRad="63500" dist="38099" dir="2700000" algn="ctr" rotWithShape="0">
                     <a:srgbClr val="808080">
@@ -5521,7 +5522,7 @@
           </a:ln>
           <a:extLst>
             <a:ext uri="{909E8E84-426E-40dd-AFC4-6F175D3DCCD1}">
-              <a14:hiddenFill xmlns:a14="http://schemas.microsoft.com/office/drawing/2010/main" xmlns="">
+              <a14:hiddenFill xmlns="" xmlns:a14="http://schemas.microsoft.com/office/drawing/2010/main">
                 <a:solidFill>
                   <a:srgbClr val="FFFFFF"/>
                 </a:solidFill>
@@ -5580,14 +5581,14 @@
           <a:effectLst/>
           <a:extLst>
             <a:ext uri="{909E8E84-426E-40dd-AFC4-6F175D3DCCD1}">
-              <a14:hiddenFill xmlns:a14="http://schemas.microsoft.com/office/drawing/2010/main" xmlns="">
+              <a14:hiddenFill xmlns="" xmlns:a14="http://schemas.microsoft.com/office/drawing/2010/main">
                 <a:solidFill>
                   <a:srgbClr val="FFFFFF"/>
                 </a:solidFill>
               </a14:hiddenFill>
             </a:ext>
             <a:ext uri="{AF507438-7753-43e0-B8FC-AC1667EBCBE1}">
-              <a14:hiddenEffects xmlns:a14="http://schemas.microsoft.com/office/drawing/2010/main" xmlns="">
+              <a14:hiddenEffects xmlns="" xmlns:a14="http://schemas.microsoft.com/office/drawing/2010/main">
                 <a:effectLst>
                   <a:outerShdw blurRad="63500" dist="38099" dir="2700000" algn="ctr" rotWithShape="0">
                     <a:srgbClr val="808080">
@@ -5688,14 +5689,14 @@
           <a:effectLst/>
           <a:extLst>
             <a:ext uri="{909E8E84-426E-40dd-AFC4-6F175D3DCCD1}">
-              <a14:hiddenFill xmlns:a14="http://schemas.microsoft.com/office/drawing/2010/main" xmlns="">
+              <a14:hiddenFill xmlns="" xmlns:a14="http://schemas.microsoft.com/office/drawing/2010/main">
                 <a:solidFill>
                   <a:srgbClr val="FFFFFF"/>
                 </a:solidFill>
               </a14:hiddenFill>
             </a:ext>
             <a:ext uri="{91240B29-F687-4f45-9708-019B960494DF}">
-              <a14:hiddenLine xmlns:a14="http://schemas.microsoft.com/office/drawing/2010/main" xmlns="" w="9525" cap="flat" cmpd="sng">
+              <a14:hiddenLine xmlns="" xmlns:a14="http://schemas.microsoft.com/office/drawing/2010/main" w="9525" cap="flat" cmpd="sng">
                 <a:solidFill>
                   <a:srgbClr val="000000"/>
                 </a:solidFill>
@@ -5705,7 +5706,7 @@
               </a14:hiddenLine>
             </a:ext>
             <a:ext uri="{AF507438-7753-43e0-B8FC-AC1667EBCBE1}">
-              <a14:hiddenEffects xmlns:a14="http://schemas.microsoft.com/office/drawing/2010/main" xmlns="">
+              <a14:hiddenEffects xmlns="" xmlns:a14="http://schemas.microsoft.com/office/drawing/2010/main">
                 <a:effectLst>
                   <a:outerShdw blurRad="63500" dist="38099" dir="2700000" algn="ctr" rotWithShape="0">
                     <a:srgbClr val="808080">
@@ -5897,7 +5898,7 @@
           </a:effectLst>
           <a:extLst>
             <a:ext uri="{91240B29-F687-4f45-9708-019B960494DF}">
-              <a14:hiddenLine xmlns:a14="http://schemas.microsoft.com/office/drawing/2010/main" xmlns="" w="9525" cap="flat" cmpd="sng">
+              <a14:hiddenLine xmlns="" xmlns:a14="http://schemas.microsoft.com/office/drawing/2010/main" w="9525" cap="flat" cmpd="sng">
                 <a:solidFill>
                   <a:srgbClr val="000000"/>
                 </a:solidFill>
@@ -5954,7 +5955,7 @@
           </a:effectLst>
           <a:extLst>
             <a:ext uri="{91240B29-F687-4f45-9708-019B960494DF}">
-              <a14:hiddenLine xmlns:a14="http://schemas.microsoft.com/office/drawing/2010/main" xmlns="" w="9525" cap="flat" cmpd="sng">
+              <a14:hiddenLine xmlns="" xmlns:a14="http://schemas.microsoft.com/office/drawing/2010/main" w="9525" cap="flat" cmpd="sng">
                 <a:solidFill>
                   <a:srgbClr val="000000"/>
                 </a:solidFill>
@@ -6014,7 +6015,7 @@
           <a:effectLst/>
           <a:extLst>
             <a:ext uri="{AF507438-7753-43e0-B8FC-AC1667EBCBE1}">
-              <a14:hiddenEffects xmlns:a14="http://schemas.microsoft.com/office/drawing/2010/main" xmlns="">
+              <a14:hiddenEffects xmlns="" xmlns:a14="http://schemas.microsoft.com/office/drawing/2010/main">
                 <a:effectLst>
                   <a:outerShdw blurRad="63500" dist="38099" dir="2700000" algn="ctr" rotWithShape="0">
                     <a:schemeClr val="bg2">
@@ -6116,11 +6117,6 @@
                 </a:rPr>
                 <a:t>Logic Model</a:t>
               </a:r>
-              <a:endParaRPr lang="en-US" altLang="es-ES" dirty="0" smtClean="0">
-                <a:solidFill>
-                  <a:srgbClr val="568E77"/>
-                </a:solidFill>
-              </a:endParaRPr>
             </a:p>
           </p:txBody>
         </p:sp>
@@ -6693,11 +6689,6 @@
                 </a:rPr>
                 <a:t>Motivations</a:t>
               </a:r>
-              <a:endParaRPr lang="en-US" altLang="es-ES" dirty="0" smtClean="0">
-                <a:solidFill>
-                  <a:srgbClr val="568E77"/>
-                </a:solidFill>
-              </a:endParaRPr>
             </a:p>
           </p:txBody>
         </p:sp>
@@ -7317,11 +7308,6 @@
                 </a:rPr>
                 <a:t>Market</a:t>
               </a:r>
-              <a:endParaRPr lang="en-US" altLang="es-ES" dirty="0" smtClean="0">
-                <a:solidFill>
-                  <a:srgbClr val="568E77"/>
-                </a:solidFill>
-              </a:endParaRPr>
             </a:p>
           </p:txBody>
         </p:sp>
@@ -7347,6 +7333,1220 @@
 </file>
 
 <file path=ppt/slides/slide5.xml><?xml version="1.0" encoding="utf-8"?>
+<p:sld xmlns:a="http://schemas.openxmlformats.org/drawingml/2006/main" xmlns:r="http://schemas.openxmlformats.org/officeDocument/2006/relationships" xmlns:p="http://schemas.openxmlformats.org/presentationml/2006/main">
+  <p:cSld>
+    <p:spTree>
+      <p:nvGrpSpPr>
+        <p:cNvPr id="1" name=""/>
+        <p:cNvGrpSpPr/>
+        <p:nvPr/>
+      </p:nvGrpSpPr>
+      <p:grpSpPr>
+        <a:xfrm>
+          <a:off x="0" y="0"/>
+          <a:ext cx="0" cy="0"/>
+          <a:chOff x="0" y="0"/>
+          <a:chExt cx="0" cy="0"/>
+        </a:xfrm>
+      </p:grpSpPr>
+      <p:pic>
+        <p:nvPicPr>
+          <p:cNvPr id="26" name="Picture 25"/>
+          <p:cNvPicPr>
+            <a:picLocks noChangeAspect="1"/>
+          </p:cNvPicPr>
+          <p:nvPr/>
+        </p:nvPicPr>
+        <p:blipFill>
+          <a:blip r:embed="rId2"/>
+          <a:stretch>
+            <a:fillRect/>
+          </a:stretch>
+        </p:blipFill>
+        <p:spPr>
+          <a:xfrm>
+            <a:off x="0" y="0"/>
+            <a:ext cx="9144000" cy="6858000"/>
+          </a:xfrm>
+          <a:prstGeom prst="rect">
+            <a:avLst/>
+          </a:prstGeom>
+        </p:spPr>
+      </p:pic>
+      <p:grpSp>
+        <p:nvGrpSpPr>
+          <p:cNvPr id="10" name="Group 9"/>
+          <p:cNvGrpSpPr/>
+          <p:nvPr/>
+        </p:nvGrpSpPr>
+        <p:grpSpPr>
+          <a:xfrm>
+            <a:off x="457200" y="0"/>
+            <a:ext cx="8229600" cy="857250"/>
+            <a:chOff x="457200" y="143177"/>
+            <a:chExt cx="8229600" cy="857250"/>
+          </a:xfrm>
+        </p:grpSpPr>
+        <p:pic>
+          <p:nvPicPr>
+            <p:cNvPr id="11" name="Picture 10"/>
+            <p:cNvPicPr>
+              <a:picLocks noChangeAspect="1"/>
+            </p:cNvPicPr>
+            <p:nvPr/>
+          </p:nvPicPr>
+          <p:blipFill>
+            <a:blip r:embed="rId3"/>
+            <a:stretch>
+              <a:fillRect/>
+            </a:stretch>
+          </p:blipFill>
+          <p:spPr>
+            <a:xfrm>
+              <a:off x="571500" y="143177"/>
+              <a:ext cx="8001000" cy="857250"/>
+            </a:xfrm>
+            <a:prstGeom prst="rect">
+              <a:avLst/>
+            </a:prstGeom>
+          </p:spPr>
+        </p:pic>
+        <p:sp>
+          <p:nvSpPr>
+            <p:cNvPr id="12" name="Title 1"/>
+            <p:cNvSpPr txBox="1">
+              <a:spLocks/>
+            </p:cNvSpPr>
+            <p:nvPr/>
+          </p:nvSpPr>
+          <p:spPr>
+            <a:xfrm>
+              <a:off x="457200" y="154752"/>
+              <a:ext cx="8229600" cy="677902"/>
+            </a:xfrm>
+            <a:prstGeom prst="rect">
+              <a:avLst/>
+            </a:prstGeom>
+          </p:spPr>
+          <p:txBody>
+            <a:bodyPr/>
+            <a:lstStyle>
+              <a:lvl1pPr algn="ctr" defTabSz="457200" rtl="0" eaLnBrk="1" latinLnBrk="0" hangingPunct="1">
+                <a:spcBef>
+                  <a:spcPct val="0"/>
+                </a:spcBef>
+                <a:buNone/>
+                <a:defRPr sz="4400" kern="1200">
+                  <a:solidFill>
+                    <a:schemeClr val="tx1"/>
+                  </a:solidFill>
+                  <a:latin typeface="+mj-lt"/>
+                  <a:ea typeface="+mj-ea"/>
+                  <a:cs typeface="+mj-cs"/>
+                </a:defRPr>
+              </a:lvl1pPr>
+            </a:lstStyle>
+            <a:p>
+              <a:r>
+                <a:rPr lang="en-US" altLang="es-ES" dirty="0" smtClean="0">
+                  <a:solidFill>
+                    <a:srgbClr val="568E77"/>
+                  </a:solidFill>
+                </a:rPr>
+                <a:t>Transportation analysis</a:t>
+              </a:r>
+              <a:endParaRPr lang="en-US" altLang="es-ES" dirty="0" smtClean="0">
+                <a:solidFill>
+                  <a:srgbClr val="568E77"/>
+                </a:solidFill>
+              </a:endParaRPr>
+            </a:p>
+          </p:txBody>
+        </p:sp>
+      </p:grpSp>
+      <p:grpSp>
+        <p:nvGrpSpPr>
+          <p:cNvPr id="6" name="Group 5"/>
+          <p:cNvGrpSpPr/>
+          <p:nvPr/>
+        </p:nvGrpSpPr>
+        <p:grpSpPr>
+          <a:xfrm>
+            <a:off x="641672" y="857250"/>
+            <a:ext cx="2895439" cy="1906930"/>
+            <a:chOff x="571500" y="1148533"/>
+            <a:chExt cx="2895439" cy="1906930"/>
+          </a:xfrm>
+        </p:grpSpPr>
+        <p:grpSp>
+          <p:nvGrpSpPr>
+            <p:cNvPr id="15" name="Group 14"/>
+            <p:cNvGrpSpPr/>
+            <p:nvPr/>
+          </p:nvGrpSpPr>
+          <p:grpSpPr>
+            <a:xfrm>
+              <a:off x="571500" y="1377133"/>
+              <a:ext cx="2222339" cy="1678330"/>
+              <a:chOff x="5509549" y="1111169"/>
+              <a:chExt cx="2222339" cy="1678330"/>
+            </a:xfrm>
+          </p:grpSpPr>
+          <p:pic>
+            <p:nvPicPr>
+              <p:cNvPr id="16" name="Picture 15"/>
+              <p:cNvPicPr>
+                <a:picLocks noChangeAspect="1"/>
+              </p:cNvPicPr>
+              <p:nvPr/>
+            </p:nvPicPr>
+            <p:blipFill rotWithShape="1">
+              <a:blip r:embed="rId4"/>
+              <a:srcRect l="27872" t="32918" r="27405" b="42339"/>
+              <a:stretch/>
+            </p:blipFill>
+            <p:spPr>
+              <a:xfrm>
+                <a:off x="5509549" y="1111169"/>
+                <a:ext cx="2222339" cy="1678330"/>
+              </a:xfrm>
+              <a:prstGeom prst="rect">
+                <a:avLst/>
+              </a:prstGeom>
+            </p:spPr>
+          </p:pic>
+          <p:sp>
+            <p:nvSpPr>
+              <p:cNvPr id="17" name="TextBox 16"/>
+              <p:cNvSpPr txBox="1"/>
+              <p:nvPr/>
+            </p:nvSpPr>
+            <p:spPr>
+              <a:xfrm>
+                <a:off x="5941993" y="1828800"/>
+                <a:ext cx="1504709" cy="369332"/>
+              </a:xfrm>
+              <a:prstGeom prst="rect">
+                <a:avLst/>
+              </a:prstGeom>
+              <a:noFill/>
+            </p:spPr>
+            <p:txBody>
+              <a:bodyPr wrap="square" rtlCol="0">
+                <a:spAutoFit/>
+              </a:bodyPr>
+              <a:lstStyle/>
+              <a:p>
+                <a:r>
+                  <a:rPr lang="fr-FR" dirty="0" smtClean="0"/>
+                  <a:t>6,2 L/100km</a:t>
+                </a:r>
+                <a:endParaRPr lang="fr-FR" dirty="0"/>
+              </a:p>
+            </p:txBody>
+          </p:sp>
+        </p:grpSp>
+        <p:sp>
+          <p:nvSpPr>
+            <p:cNvPr id="4" name="Oval 3"/>
+            <p:cNvSpPr/>
+            <p:nvPr/>
+          </p:nvSpPr>
+          <p:spPr>
+            <a:xfrm>
+              <a:off x="2120739" y="1148533"/>
+              <a:ext cx="1346200" cy="1346200"/>
+            </a:xfrm>
+            <a:prstGeom prst="ellipse">
+              <a:avLst/>
+            </a:prstGeom>
+            <a:gradFill flip="none" rotWithShape="1">
+              <a:gsLst>
+                <a:gs pos="0">
+                  <a:srgbClr val="568E77">
+                    <a:shade val="30000"/>
+                    <a:satMod val="115000"/>
+                  </a:srgbClr>
+                </a:gs>
+                <a:gs pos="50000">
+                  <a:srgbClr val="568E77">
+                    <a:shade val="67500"/>
+                    <a:satMod val="115000"/>
+                  </a:srgbClr>
+                </a:gs>
+                <a:gs pos="100000">
+                  <a:srgbClr val="568E77">
+                    <a:shade val="100000"/>
+                    <a:satMod val="115000"/>
+                  </a:srgbClr>
+                </a:gs>
+              </a:gsLst>
+              <a:lin ang="2700000" scaled="1"/>
+              <a:tileRect/>
+            </a:gradFill>
+            <a:ln>
+              <a:noFill/>
+            </a:ln>
+          </p:spPr>
+          <p:style>
+            <a:lnRef idx="1">
+              <a:schemeClr val="accent1"/>
+            </a:lnRef>
+            <a:fillRef idx="3">
+              <a:schemeClr val="accent1"/>
+            </a:fillRef>
+            <a:effectRef idx="2">
+              <a:schemeClr val="accent1"/>
+            </a:effectRef>
+            <a:fontRef idx="minor">
+              <a:schemeClr val="lt1"/>
+            </a:fontRef>
+          </p:style>
+          <p:txBody>
+            <a:bodyPr rtlCol="0" anchor="ctr"/>
+            <a:lstStyle/>
+            <a:p>
+              <a:pPr algn="ctr"/>
+              <a:r>
+                <a:rPr lang="fr-FR" dirty="0" smtClean="0"/>
+                <a:t>62% of the cars</a:t>
+              </a:r>
+              <a:endParaRPr lang="fr-FR" dirty="0"/>
+            </a:p>
+          </p:txBody>
+        </p:sp>
+      </p:grpSp>
+      <p:grpSp>
+        <p:nvGrpSpPr>
+          <p:cNvPr id="5" name="Group 4"/>
+          <p:cNvGrpSpPr/>
+          <p:nvPr/>
+        </p:nvGrpSpPr>
+        <p:grpSpPr>
+          <a:xfrm>
+            <a:off x="5384800" y="894614"/>
+            <a:ext cx="2895439" cy="1886767"/>
+            <a:chOff x="5941993" y="940096"/>
+            <a:chExt cx="2895439" cy="1886767"/>
+          </a:xfrm>
+        </p:grpSpPr>
+        <p:grpSp>
+          <p:nvGrpSpPr>
+            <p:cNvPr id="3" name="Group 2"/>
+            <p:cNvGrpSpPr/>
+            <p:nvPr/>
+          </p:nvGrpSpPr>
+          <p:grpSpPr>
+            <a:xfrm>
+              <a:off x="5941993" y="1148533"/>
+              <a:ext cx="2222339" cy="1678330"/>
+              <a:chOff x="5509549" y="1111169"/>
+              <a:chExt cx="2222339" cy="1678330"/>
+            </a:xfrm>
+          </p:grpSpPr>
+          <p:pic>
+            <p:nvPicPr>
+              <p:cNvPr id="14" name="Picture 13"/>
+              <p:cNvPicPr>
+                <a:picLocks noChangeAspect="1"/>
+              </p:cNvPicPr>
+              <p:nvPr/>
+            </p:nvPicPr>
+            <p:blipFill rotWithShape="1">
+              <a:blip r:embed="rId4"/>
+              <a:srcRect l="27872" t="32918" r="27405" b="42339"/>
+              <a:stretch/>
+            </p:blipFill>
+            <p:spPr>
+              <a:xfrm>
+                <a:off x="5509549" y="1111169"/>
+                <a:ext cx="2222339" cy="1678330"/>
+              </a:xfrm>
+              <a:prstGeom prst="rect">
+                <a:avLst/>
+              </a:prstGeom>
+            </p:spPr>
+          </p:pic>
+          <p:sp>
+            <p:nvSpPr>
+              <p:cNvPr id="2" name="TextBox 1"/>
+              <p:cNvSpPr txBox="1"/>
+              <p:nvPr/>
+            </p:nvSpPr>
+            <p:spPr>
+              <a:xfrm>
+                <a:off x="5941993" y="1828800"/>
+                <a:ext cx="1504709" cy="369332"/>
+              </a:xfrm>
+              <a:prstGeom prst="rect">
+                <a:avLst/>
+              </a:prstGeom>
+              <a:noFill/>
+            </p:spPr>
+            <p:txBody>
+              <a:bodyPr wrap="square" rtlCol="0">
+                <a:spAutoFit/>
+              </a:bodyPr>
+              <a:lstStyle/>
+              <a:p>
+                <a:r>
+                  <a:rPr lang="fr-FR" dirty="0" smtClean="0"/>
+                  <a:t>7,5 L/100km</a:t>
+                </a:r>
+                <a:endParaRPr lang="fr-FR" dirty="0"/>
+              </a:p>
+            </p:txBody>
+          </p:sp>
+        </p:grpSp>
+        <p:sp>
+          <p:nvSpPr>
+            <p:cNvPr id="18" name="Oval 17"/>
+            <p:cNvSpPr/>
+            <p:nvPr/>
+          </p:nvSpPr>
+          <p:spPr>
+            <a:xfrm>
+              <a:off x="7491232" y="940096"/>
+              <a:ext cx="1346200" cy="1346200"/>
+            </a:xfrm>
+            <a:prstGeom prst="ellipse">
+              <a:avLst/>
+            </a:prstGeom>
+            <a:gradFill flip="none" rotWithShape="1">
+              <a:gsLst>
+                <a:gs pos="0">
+                  <a:srgbClr val="568E77">
+                    <a:shade val="30000"/>
+                    <a:satMod val="115000"/>
+                  </a:srgbClr>
+                </a:gs>
+                <a:gs pos="50000">
+                  <a:srgbClr val="568E77">
+                    <a:shade val="67500"/>
+                    <a:satMod val="115000"/>
+                  </a:srgbClr>
+                </a:gs>
+                <a:gs pos="100000">
+                  <a:srgbClr val="568E77">
+                    <a:shade val="100000"/>
+                    <a:satMod val="115000"/>
+                  </a:srgbClr>
+                </a:gs>
+              </a:gsLst>
+              <a:lin ang="8100000" scaled="1"/>
+              <a:tileRect/>
+            </a:gradFill>
+            <a:ln>
+              <a:noFill/>
+            </a:ln>
+          </p:spPr>
+          <p:style>
+            <a:lnRef idx="1">
+              <a:schemeClr val="accent1"/>
+            </a:lnRef>
+            <a:fillRef idx="3">
+              <a:schemeClr val="accent1"/>
+            </a:fillRef>
+            <a:effectRef idx="2">
+              <a:schemeClr val="accent1"/>
+            </a:effectRef>
+            <a:fontRef idx="minor">
+              <a:schemeClr val="lt1"/>
+            </a:fontRef>
+          </p:style>
+          <p:txBody>
+            <a:bodyPr rtlCol="0" anchor="ctr"/>
+            <a:lstStyle/>
+            <a:p>
+              <a:pPr algn="ctr"/>
+              <a:r>
+                <a:rPr lang="fr-FR" dirty="0" smtClean="0"/>
+                <a:t>38% of the cars</a:t>
+              </a:r>
+              <a:endParaRPr lang="fr-FR" dirty="0"/>
+            </a:p>
+          </p:txBody>
+        </p:sp>
+      </p:grpSp>
+      <p:grpSp>
+        <p:nvGrpSpPr>
+          <p:cNvPr id="28" name="Group 27"/>
+          <p:cNvGrpSpPr/>
+          <p:nvPr/>
+        </p:nvGrpSpPr>
+        <p:grpSpPr>
+          <a:xfrm>
+            <a:off x="50800" y="2604671"/>
+            <a:ext cx="3886200" cy="597016"/>
+            <a:chOff x="50800" y="2903179"/>
+            <a:chExt cx="3886200" cy="597016"/>
+          </a:xfrm>
+        </p:grpSpPr>
+        <p:pic>
+          <p:nvPicPr>
+            <p:cNvPr id="20" name="Picture 19"/>
+            <p:cNvPicPr>
+              <a:picLocks noChangeAspect="1"/>
+            </p:cNvPicPr>
+            <p:nvPr/>
+          </p:nvPicPr>
+          <p:blipFill rotWithShape="1">
+            <a:blip r:embed="rId5"/>
+            <a:srcRect l="12626" t="-27020" r="17206"/>
+            <a:stretch/>
+          </p:blipFill>
+          <p:spPr>
+            <a:xfrm>
+              <a:off x="50800" y="2903179"/>
+              <a:ext cx="3886200" cy="597016"/>
+            </a:xfrm>
+            <a:prstGeom prst="rect">
+              <a:avLst/>
+            </a:prstGeom>
+          </p:spPr>
+        </p:pic>
+        <p:sp>
+          <p:nvSpPr>
+            <p:cNvPr id="21" name="TextBox 20"/>
+            <p:cNvSpPr txBox="1"/>
+            <p:nvPr/>
+          </p:nvSpPr>
+          <p:spPr>
+            <a:xfrm>
+              <a:off x="832897" y="3030062"/>
+              <a:ext cx="1675756" cy="369332"/>
+            </a:xfrm>
+            <a:prstGeom prst="rect">
+              <a:avLst/>
+            </a:prstGeom>
+            <a:noFill/>
+          </p:spPr>
+          <p:txBody>
+            <a:bodyPr wrap="square" rtlCol="0">
+              <a:spAutoFit/>
+            </a:bodyPr>
+            <a:lstStyle/>
+            <a:p>
+              <a:r>
+                <a:rPr lang="fr-FR" dirty="0" smtClean="0"/>
+                <a:t>15477 km/</a:t>
+              </a:r>
+              <a:r>
+                <a:rPr lang="fr-FR" dirty="0" err="1" smtClean="0"/>
+                <a:t>Year</a:t>
+              </a:r>
+              <a:endParaRPr lang="fr-FR" dirty="0"/>
+            </a:p>
+          </p:txBody>
+        </p:sp>
+      </p:grpSp>
+      <p:grpSp>
+        <p:nvGrpSpPr>
+          <p:cNvPr id="25" name="Group 24"/>
+          <p:cNvGrpSpPr/>
+          <p:nvPr/>
+        </p:nvGrpSpPr>
+        <p:grpSpPr>
+          <a:xfrm>
+            <a:off x="4165439" y="2579155"/>
+            <a:ext cx="4673761" cy="653053"/>
+            <a:chOff x="4165439" y="2877663"/>
+            <a:chExt cx="4673761" cy="653053"/>
+          </a:xfrm>
+        </p:grpSpPr>
+        <p:pic>
+          <p:nvPicPr>
+            <p:cNvPr id="23" name="Picture 22"/>
+            <p:cNvPicPr>
+              <a:picLocks noChangeAspect="1"/>
+            </p:cNvPicPr>
+            <p:nvPr/>
+          </p:nvPicPr>
+          <p:blipFill rotWithShape="1">
+            <a:blip r:embed="rId5"/>
+            <a:srcRect l="12626" t="-27019" r="17206" b="21616"/>
+            <a:stretch/>
+          </p:blipFill>
+          <p:spPr>
+            <a:xfrm rot="10800000">
+              <a:off x="4165439" y="3035300"/>
+              <a:ext cx="3886200" cy="495416"/>
+            </a:xfrm>
+            <a:prstGeom prst="rect">
+              <a:avLst/>
+            </a:prstGeom>
+          </p:spPr>
+        </p:pic>
+        <p:pic>
+          <p:nvPicPr>
+            <p:cNvPr id="24" name="Picture 23"/>
+            <p:cNvPicPr>
+              <a:picLocks noChangeAspect="1"/>
+            </p:cNvPicPr>
+            <p:nvPr/>
+          </p:nvPicPr>
+          <p:blipFill rotWithShape="1">
+            <a:blip r:embed="rId5"/>
+            <a:srcRect l="24322" t="-37829" r="53433" b="10809"/>
+            <a:stretch/>
+          </p:blipFill>
+          <p:spPr>
+            <a:xfrm>
+              <a:off x="7607139" y="2877663"/>
+              <a:ext cx="1232061" cy="597016"/>
+            </a:xfrm>
+            <a:prstGeom prst="rect">
+              <a:avLst/>
+            </a:prstGeom>
+          </p:spPr>
+        </p:pic>
+        <p:sp>
+          <p:nvSpPr>
+            <p:cNvPr id="27" name="TextBox 26"/>
+            <p:cNvSpPr txBox="1"/>
+            <p:nvPr/>
+          </p:nvSpPr>
+          <p:spPr>
+            <a:xfrm>
+              <a:off x="5646197" y="3030062"/>
+              <a:ext cx="1675756" cy="369332"/>
+            </a:xfrm>
+            <a:prstGeom prst="rect">
+              <a:avLst/>
+            </a:prstGeom>
+            <a:noFill/>
+          </p:spPr>
+          <p:txBody>
+            <a:bodyPr wrap="square" rtlCol="0">
+              <a:spAutoFit/>
+            </a:bodyPr>
+            <a:lstStyle/>
+            <a:p>
+              <a:r>
+                <a:rPr lang="fr-FR" dirty="0" smtClean="0"/>
+                <a:t>8225 km/</a:t>
+              </a:r>
+              <a:r>
+                <a:rPr lang="fr-FR" dirty="0" err="1" smtClean="0"/>
+                <a:t>Year</a:t>
+              </a:r>
+              <a:endParaRPr lang="fr-FR" dirty="0"/>
+            </a:p>
+          </p:txBody>
+        </p:sp>
+      </p:grpSp>
+      <p:grpSp>
+        <p:nvGrpSpPr>
+          <p:cNvPr id="1027" name="Group 1026"/>
+          <p:cNvGrpSpPr/>
+          <p:nvPr/>
+        </p:nvGrpSpPr>
+        <p:grpSpPr>
+          <a:xfrm>
+            <a:off x="359344" y="3176171"/>
+            <a:ext cx="1504950" cy="1504950"/>
+            <a:chOff x="457200" y="3530716"/>
+            <a:chExt cx="1504950" cy="1504950"/>
+          </a:xfrm>
+        </p:grpSpPr>
+        <p:grpSp>
+          <p:nvGrpSpPr>
+            <p:cNvPr id="35" name="Group 34"/>
+            <p:cNvGrpSpPr/>
+            <p:nvPr/>
+          </p:nvGrpSpPr>
+          <p:grpSpPr>
+            <a:xfrm>
+              <a:off x="457200" y="3530716"/>
+              <a:ext cx="1504950" cy="1504950"/>
+              <a:chOff x="2508250" y="3638550"/>
+              <a:chExt cx="2857500" cy="2857500"/>
+            </a:xfrm>
+          </p:grpSpPr>
+          <p:sp>
+            <p:nvSpPr>
+              <p:cNvPr id="36" name="Rounded Rectangle 35"/>
+              <p:cNvSpPr/>
+              <p:nvPr/>
+            </p:nvSpPr>
+            <p:spPr>
+              <a:xfrm>
+                <a:off x="2508250" y="3638550"/>
+                <a:ext cx="2857500" cy="2857500"/>
+              </a:xfrm>
+              <a:prstGeom prst="roundRect">
+                <a:avLst>
+                  <a:gd name="adj" fmla="val 12667"/>
+                </a:avLst>
+              </a:prstGeom>
+              <a:solidFill>
+                <a:srgbClr val="568E77"/>
+              </a:solidFill>
+              <a:ln>
+                <a:noFill/>
+              </a:ln>
+            </p:spPr>
+            <p:style>
+              <a:lnRef idx="1">
+                <a:schemeClr val="accent1"/>
+              </a:lnRef>
+              <a:fillRef idx="3">
+                <a:schemeClr val="accent1"/>
+              </a:fillRef>
+              <a:effectRef idx="2">
+                <a:schemeClr val="accent1"/>
+              </a:effectRef>
+              <a:fontRef idx="minor">
+                <a:schemeClr val="lt1"/>
+              </a:fontRef>
+            </p:style>
+            <p:txBody>
+              <a:bodyPr rtlCol="0" anchor="ctr"/>
+              <a:lstStyle/>
+              <a:p>
+                <a:pPr algn="ctr"/>
+                <a:endParaRPr lang="fr-FR"/>
+              </a:p>
+            </p:txBody>
+          </p:sp>
+          <p:pic>
+            <p:nvPicPr>
+              <p:cNvPr id="37" name="Picture 36"/>
+              <p:cNvPicPr>
+                <a:picLocks noChangeAspect="1"/>
+              </p:cNvPicPr>
+              <p:nvPr/>
+            </p:nvPicPr>
+            <p:blipFill>
+              <a:blip r:embed="rId6"/>
+              <a:stretch>
+                <a:fillRect/>
+              </a:stretch>
+            </p:blipFill>
+            <p:spPr>
+              <a:xfrm>
+                <a:off x="3113086" y="3638550"/>
+                <a:ext cx="1876424" cy="2352674"/>
+              </a:xfrm>
+              <a:prstGeom prst="rect">
+                <a:avLst/>
+              </a:prstGeom>
+            </p:spPr>
+          </p:pic>
+        </p:grpSp>
+        <p:sp>
+          <p:nvSpPr>
+            <p:cNvPr id="38" name="TextBox 37"/>
+            <p:cNvSpPr txBox="1"/>
+            <p:nvPr/>
+          </p:nvSpPr>
+          <p:spPr>
+            <a:xfrm>
+              <a:off x="686122" y="4666334"/>
+              <a:ext cx="939478" cy="369332"/>
+            </a:xfrm>
+            <a:prstGeom prst="rect">
+              <a:avLst/>
+            </a:prstGeom>
+            <a:noFill/>
+          </p:spPr>
+          <p:txBody>
+            <a:bodyPr wrap="square" rtlCol="0">
+              <a:spAutoFit/>
+            </a:bodyPr>
+            <a:lstStyle/>
+            <a:p>
+              <a:r>
+                <a:rPr lang="fr-FR" dirty="0" smtClean="0">
+                  <a:solidFill>
+                    <a:schemeClr val="bg1"/>
+                  </a:solidFill>
+                </a:rPr>
+                <a:t>1,39€/L</a:t>
+              </a:r>
+              <a:endParaRPr lang="fr-FR" dirty="0">
+                <a:solidFill>
+                  <a:schemeClr val="bg1"/>
+                </a:solidFill>
+              </a:endParaRPr>
+            </a:p>
+          </p:txBody>
+        </p:sp>
+      </p:grpSp>
+      <p:grpSp>
+        <p:nvGrpSpPr>
+          <p:cNvPr id="1028" name="Group 1027"/>
+          <p:cNvGrpSpPr/>
+          <p:nvPr/>
+        </p:nvGrpSpPr>
+        <p:grpSpPr>
+          <a:xfrm>
+            <a:off x="7399461" y="3176171"/>
+            <a:ext cx="1504950" cy="1504950"/>
+            <a:chOff x="7299164" y="3530716"/>
+            <a:chExt cx="1504950" cy="1504950"/>
+          </a:xfrm>
+        </p:grpSpPr>
+        <p:grpSp>
+          <p:nvGrpSpPr>
+            <p:cNvPr id="1025" name="Group 1024"/>
+            <p:cNvGrpSpPr/>
+            <p:nvPr/>
+          </p:nvGrpSpPr>
+          <p:grpSpPr>
+            <a:xfrm>
+              <a:off x="7299164" y="3530716"/>
+              <a:ext cx="1504950" cy="1504950"/>
+              <a:chOff x="2508250" y="3638550"/>
+              <a:chExt cx="2857500" cy="2857500"/>
+            </a:xfrm>
+          </p:grpSpPr>
+          <p:sp>
+            <p:nvSpPr>
+              <p:cNvPr id="31" name="Rounded Rectangle 30"/>
+              <p:cNvSpPr/>
+              <p:nvPr/>
+            </p:nvSpPr>
+            <p:spPr>
+              <a:xfrm>
+                <a:off x="2508250" y="3638550"/>
+                <a:ext cx="2857500" cy="2857500"/>
+              </a:xfrm>
+              <a:prstGeom prst="roundRect">
+                <a:avLst>
+                  <a:gd name="adj" fmla="val 12667"/>
+                </a:avLst>
+              </a:prstGeom>
+              <a:solidFill>
+                <a:srgbClr val="568E77"/>
+              </a:solidFill>
+              <a:ln>
+                <a:noFill/>
+              </a:ln>
+            </p:spPr>
+            <p:style>
+              <a:lnRef idx="1">
+                <a:schemeClr val="accent1"/>
+              </a:lnRef>
+              <a:fillRef idx="3">
+                <a:schemeClr val="accent1"/>
+              </a:fillRef>
+              <a:effectRef idx="2">
+                <a:schemeClr val="accent1"/>
+              </a:effectRef>
+              <a:fontRef idx="minor">
+                <a:schemeClr val="lt1"/>
+              </a:fontRef>
+            </p:style>
+            <p:txBody>
+              <a:bodyPr rtlCol="0" anchor="ctr"/>
+              <a:lstStyle/>
+              <a:p>
+                <a:pPr algn="ctr"/>
+                <a:endParaRPr lang="fr-FR"/>
+              </a:p>
+            </p:txBody>
+          </p:sp>
+          <p:pic>
+            <p:nvPicPr>
+              <p:cNvPr id="1024" name="Picture 1023"/>
+              <p:cNvPicPr>
+                <a:picLocks noChangeAspect="1"/>
+              </p:cNvPicPr>
+              <p:nvPr/>
+            </p:nvPicPr>
+            <p:blipFill>
+              <a:blip r:embed="rId6"/>
+              <a:stretch>
+                <a:fillRect/>
+              </a:stretch>
+            </p:blipFill>
+            <p:spPr>
+              <a:xfrm>
+                <a:off x="3113086" y="3638550"/>
+                <a:ext cx="1876424" cy="2352674"/>
+              </a:xfrm>
+              <a:prstGeom prst="rect">
+                <a:avLst/>
+              </a:prstGeom>
+            </p:spPr>
+          </p:pic>
+        </p:grpSp>
+        <p:sp>
+          <p:nvSpPr>
+            <p:cNvPr id="40" name="TextBox 39"/>
+            <p:cNvSpPr txBox="1"/>
+            <p:nvPr/>
+          </p:nvSpPr>
+          <p:spPr>
+            <a:xfrm>
+              <a:off x="7581900" y="4666334"/>
+              <a:ext cx="939478" cy="369332"/>
+            </a:xfrm>
+            <a:prstGeom prst="rect">
+              <a:avLst/>
+            </a:prstGeom>
+            <a:noFill/>
+          </p:spPr>
+          <p:txBody>
+            <a:bodyPr wrap="square" rtlCol="0">
+              <a:spAutoFit/>
+            </a:bodyPr>
+            <a:lstStyle/>
+            <a:p>
+              <a:r>
+                <a:rPr lang="fr-FR" dirty="0" smtClean="0">
+                  <a:solidFill>
+                    <a:schemeClr val="bg1"/>
+                  </a:solidFill>
+                </a:rPr>
+                <a:t>1,60€/L</a:t>
+              </a:r>
+              <a:endParaRPr lang="fr-FR" dirty="0">
+                <a:solidFill>
+                  <a:schemeClr val="bg1"/>
+                </a:solidFill>
+              </a:endParaRPr>
+            </a:p>
+          </p:txBody>
+        </p:sp>
+      </p:grpSp>
+      <p:sp>
+        <p:nvSpPr>
+          <p:cNvPr id="1029" name="Oval 1028"/>
+          <p:cNvSpPr/>
+          <p:nvPr/>
+        </p:nvSpPr>
+        <p:spPr>
+          <a:xfrm>
+            <a:off x="2816306" y="3187897"/>
+            <a:ext cx="3511389" cy="1092200"/>
+          </a:xfrm>
+          <a:prstGeom prst="ellipse">
+            <a:avLst/>
+          </a:prstGeom>
+          <a:gradFill flip="none" rotWithShape="1">
+            <a:gsLst>
+              <a:gs pos="0">
+                <a:srgbClr val="568E77">
+                  <a:shade val="30000"/>
+                  <a:satMod val="115000"/>
+                </a:srgbClr>
+              </a:gs>
+              <a:gs pos="50000">
+                <a:srgbClr val="568E77">
+                  <a:shade val="67500"/>
+                  <a:satMod val="115000"/>
+                </a:srgbClr>
+              </a:gs>
+              <a:gs pos="100000">
+                <a:srgbClr val="568E77">
+                  <a:shade val="100000"/>
+                  <a:satMod val="115000"/>
+                </a:srgbClr>
+              </a:gs>
+            </a:gsLst>
+            <a:path path="circle">
+              <a:fillToRect l="50000" t="50000" r="50000" b="50000"/>
+            </a:path>
+            <a:tileRect/>
+          </a:gradFill>
+          <a:ln>
+            <a:noFill/>
+          </a:ln>
+        </p:spPr>
+        <p:style>
+          <a:lnRef idx="1">
+            <a:schemeClr val="accent1"/>
+          </a:lnRef>
+          <a:fillRef idx="3">
+            <a:schemeClr val="accent1"/>
+          </a:fillRef>
+          <a:effectRef idx="2">
+            <a:schemeClr val="accent1"/>
+          </a:effectRef>
+          <a:fontRef idx="minor">
+            <a:schemeClr val="lt1"/>
+          </a:fontRef>
+        </p:style>
+        <p:txBody>
+          <a:bodyPr rtlCol="0" anchor="ctr"/>
+          <a:lstStyle/>
+          <a:p>
+            <a:pPr algn="ctr"/>
+            <a:r>
+              <a:rPr lang="fr-FR" dirty="0" err="1" smtClean="0"/>
+              <a:t>Annual</a:t>
+            </a:r>
+            <a:r>
+              <a:rPr lang="fr-FR" dirty="0" smtClean="0"/>
+              <a:t> </a:t>
+            </a:r>
+            <a:r>
+              <a:rPr lang="fr-FR" dirty="0" err="1" smtClean="0"/>
+              <a:t>cost</a:t>
+            </a:r>
+            <a:r>
+              <a:rPr lang="fr-FR" dirty="0"/>
+              <a:t/>
+            </a:r>
+            <a:br>
+              <a:rPr lang="fr-FR" dirty="0"/>
+            </a:br>
+            <a:r>
+              <a:rPr lang="fr-FR" sz="4000" dirty="0" smtClean="0"/>
+              <a:t>1002€</a:t>
+            </a:r>
+            <a:endParaRPr lang="fr-FR" sz="4000" dirty="0"/>
+          </a:p>
+        </p:txBody>
+      </p:sp>
+      <p:sp>
+        <p:nvSpPr>
+          <p:cNvPr id="1032" name="Explosion 1 1031"/>
+          <p:cNvSpPr/>
+          <p:nvPr/>
+        </p:nvSpPr>
+        <p:spPr>
+          <a:xfrm>
+            <a:off x="966655" y="4941273"/>
+            <a:ext cx="2409256" cy="1828800"/>
+          </a:xfrm>
+          <a:prstGeom prst="irregularSeal1">
+            <a:avLst/>
+          </a:prstGeom>
+          <a:gradFill flip="none" rotWithShape="1">
+            <a:gsLst>
+              <a:gs pos="0">
+                <a:srgbClr val="568E77">
+                  <a:shade val="30000"/>
+                  <a:satMod val="115000"/>
+                </a:srgbClr>
+              </a:gs>
+              <a:gs pos="50000">
+                <a:srgbClr val="568E77">
+                  <a:shade val="67500"/>
+                  <a:satMod val="115000"/>
+                </a:srgbClr>
+              </a:gs>
+              <a:gs pos="100000">
+                <a:srgbClr val="568E77">
+                  <a:shade val="100000"/>
+                  <a:satMod val="115000"/>
+                </a:srgbClr>
+              </a:gs>
+            </a:gsLst>
+            <a:lin ang="5400000" scaled="1"/>
+            <a:tileRect/>
+          </a:gradFill>
+          <a:ln>
+            <a:noFill/>
+          </a:ln>
+        </p:spPr>
+        <p:style>
+          <a:lnRef idx="1">
+            <a:schemeClr val="accent1"/>
+          </a:lnRef>
+          <a:fillRef idx="3">
+            <a:schemeClr val="accent1"/>
+          </a:fillRef>
+          <a:effectRef idx="2">
+            <a:schemeClr val="accent1"/>
+          </a:effectRef>
+          <a:fontRef idx="minor">
+            <a:schemeClr val="lt1"/>
+          </a:fontRef>
+        </p:style>
+        <p:txBody>
+          <a:bodyPr rtlCol="0" anchor="ctr"/>
+          <a:lstStyle/>
+          <a:p>
+            <a:pPr algn="ctr"/>
+            <a:r>
+              <a:rPr lang="fr-FR" sz="4400" dirty="0" smtClean="0"/>
+              <a:t>400€</a:t>
+            </a:r>
+            <a:endParaRPr lang="fr-FR" sz="4400" dirty="0"/>
+          </a:p>
+        </p:txBody>
+      </p:sp>
+      <p:sp>
+        <p:nvSpPr>
+          <p:cNvPr id="1033" name="TextBox 1032"/>
+          <p:cNvSpPr txBox="1"/>
+          <p:nvPr/>
+        </p:nvSpPr>
+        <p:spPr>
+          <a:xfrm>
+            <a:off x="3104005" y="4357955"/>
+            <a:ext cx="2935990" cy="646331"/>
+          </a:xfrm>
+          <a:prstGeom prst="rect">
+            <a:avLst/>
+          </a:prstGeom>
+          <a:noFill/>
+        </p:spPr>
+        <p:txBody>
+          <a:bodyPr wrap="square" rtlCol="0">
+            <a:spAutoFit/>
+          </a:bodyPr>
+          <a:lstStyle/>
+          <a:p>
+            <a:r>
+              <a:rPr lang="en-US" dirty="0" smtClean="0"/>
+              <a:t>Increasing occupation rate to 2 person per car, will save:</a:t>
+            </a:r>
+            <a:endParaRPr lang="en-US" dirty="0"/>
+          </a:p>
+        </p:txBody>
+      </p:sp>
+      <p:sp>
+        <p:nvSpPr>
+          <p:cNvPr id="47" name="TextBox 46"/>
+          <p:cNvSpPr txBox="1"/>
+          <p:nvPr/>
+        </p:nvSpPr>
+        <p:spPr>
+          <a:xfrm>
+            <a:off x="3104005" y="5057428"/>
+            <a:ext cx="2935990" cy="1107996"/>
+          </a:xfrm>
+          <a:prstGeom prst="rect">
+            <a:avLst/>
+          </a:prstGeom>
+          <a:noFill/>
+        </p:spPr>
+        <p:txBody>
+          <a:bodyPr wrap="square" rtlCol="0">
+            <a:spAutoFit/>
+          </a:bodyPr>
+          <a:lstStyle/>
+          <a:p>
+            <a:pPr algn="ctr"/>
+            <a:r>
+              <a:rPr lang="en-US" sz="6600" dirty="0">
+                <a:solidFill>
+                  <a:srgbClr val="568E77"/>
+                </a:solidFill>
+              </a:rPr>
+              <a:t>&amp;</a:t>
+            </a:r>
+          </a:p>
+        </p:txBody>
+      </p:sp>
+      <p:sp>
+        <p:nvSpPr>
+          <p:cNvPr id="1034" name="Cloud 1033"/>
+          <p:cNvSpPr/>
+          <p:nvPr/>
+        </p:nvSpPr>
+        <p:spPr>
+          <a:xfrm>
+            <a:off x="5756195" y="4941273"/>
+            <a:ext cx="2816305" cy="1765787"/>
+          </a:xfrm>
+          <a:prstGeom prst="cloud">
+            <a:avLst/>
+          </a:prstGeom>
+          <a:gradFill flip="none" rotWithShape="1">
+            <a:gsLst>
+              <a:gs pos="0">
+                <a:srgbClr val="568E77">
+                  <a:shade val="30000"/>
+                  <a:satMod val="115000"/>
+                </a:srgbClr>
+              </a:gs>
+              <a:gs pos="50000">
+                <a:srgbClr val="568E77">
+                  <a:shade val="67500"/>
+                  <a:satMod val="115000"/>
+                </a:srgbClr>
+              </a:gs>
+              <a:gs pos="100000">
+                <a:srgbClr val="568E77">
+                  <a:shade val="100000"/>
+                  <a:satMod val="115000"/>
+                </a:srgbClr>
+              </a:gs>
+            </a:gsLst>
+            <a:lin ang="8100000" scaled="1"/>
+            <a:tileRect/>
+          </a:gradFill>
+          <a:ln>
+            <a:noFill/>
+          </a:ln>
+        </p:spPr>
+        <p:style>
+          <a:lnRef idx="1">
+            <a:schemeClr val="accent1"/>
+          </a:lnRef>
+          <a:fillRef idx="3">
+            <a:schemeClr val="accent1"/>
+          </a:fillRef>
+          <a:effectRef idx="2">
+            <a:schemeClr val="accent1"/>
+          </a:effectRef>
+          <a:fontRef idx="minor">
+            <a:schemeClr val="lt1"/>
+          </a:fontRef>
+        </p:style>
+        <p:txBody>
+          <a:bodyPr rtlCol="0" anchor="ctr"/>
+          <a:lstStyle/>
+          <a:p>
+            <a:pPr algn="ctr"/>
+            <a:r>
+              <a:rPr lang="fr-FR" sz="3600" dirty="0" smtClean="0"/>
+              <a:t>-</a:t>
+            </a:r>
+            <a:r>
+              <a:rPr lang="fr-FR" sz="4400" dirty="0" smtClean="0"/>
+              <a:t>12</a:t>
+            </a:r>
+            <a:r>
+              <a:rPr lang="fr-FR" sz="3600" dirty="0" smtClean="0"/>
+              <a:t>% </a:t>
+            </a:r>
+            <a:br>
+              <a:rPr lang="fr-FR" sz="3600" dirty="0" smtClean="0"/>
+            </a:br>
+            <a:r>
+              <a:rPr lang="fr-FR" sz="1400" dirty="0" smtClean="0"/>
+              <a:t>of CO2 </a:t>
+            </a:r>
+            <a:r>
+              <a:rPr lang="fr-FR" sz="1400" dirty="0" err="1" smtClean="0"/>
+              <a:t>from</a:t>
+            </a:r>
+            <a:r>
+              <a:rPr lang="fr-FR" sz="1400" dirty="0" smtClean="0"/>
+              <a:t> transportation </a:t>
+            </a:r>
+            <a:endParaRPr lang="fr-FR" sz="1400" dirty="0"/>
+          </a:p>
+        </p:txBody>
+      </p:sp>
+    </p:spTree>
+    <p:extLst>
+      <p:ext uri="{BB962C8B-B14F-4D97-AF65-F5344CB8AC3E}">
+        <p14:creationId xmlns:p14="http://schemas.microsoft.com/office/powerpoint/2010/main" val="1311197437"/>
+      </p:ext>
+    </p:extLst>
+  </p:cSld>
+  <p:clrMapOvr>
+    <a:masterClrMapping/>
+  </p:clrMapOvr>
+  <p:timing>
+    <p:tnLst>
+      <p:par>
+        <p:cTn id="1" dur="indefinite" restart="never" nodeType="tmRoot"/>
+      </p:par>
+    </p:tnLst>
+  </p:timing>
+</p:sld>
+</file>
+
+<file path=ppt/slides/slide6.xml><?xml version="1.0" encoding="utf-8"?>
 <p:sld xmlns:a="http://schemas.openxmlformats.org/drawingml/2006/main" xmlns:r="http://schemas.openxmlformats.org/officeDocument/2006/relationships" xmlns:p="http://schemas.openxmlformats.org/presentationml/2006/main">
   <p:cSld>
     <p:spTree>
@@ -7654,11 +8854,6 @@
                 </a:rPr>
                 <a:t>Conclusion</a:t>
               </a:r>
-              <a:endParaRPr lang="en-US" altLang="es-ES" dirty="0" smtClean="0">
-                <a:solidFill>
-                  <a:srgbClr val="568E77"/>
-                </a:solidFill>
-              </a:endParaRPr>
             </a:p>
           </p:txBody>
         </p:sp>
@@ -7683,7 +8878,7 @@
 </p:sld>
 </file>
 
-<file path=ppt/slides/slide6.xml><?xml version="1.0" encoding="utf-8"?>
+<file path=ppt/slides/slide7.xml><?xml version="1.0" encoding="utf-8"?>
 <p:sld xmlns:a="http://schemas.openxmlformats.org/drawingml/2006/main" xmlns:r="http://schemas.openxmlformats.org/officeDocument/2006/relationships" xmlns:p="http://schemas.openxmlformats.org/presentationml/2006/main">
   <p:cSld>
     <p:spTree>
@@ -8037,11 +9232,6 @@
                 </a:rPr>
                 <a:t>GitHub progress</a:t>
               </a:r>
-              <a:endParaRPr lang="en-US" altLang="es-ES" dirty="0" smtClean="0">
-                <a:solidFill>
-                  <a:srgbClr val="568E77"/>
-                </a:solidFill>
-              </a:endParaRPr>
             </a:p>
           </p:txBody>
         </p:sp>
@@ -8066,7 +9256,7 @@
 </p:sld>
 </file>
 
-<file path=ppt/slides/slide7.xml><?xml version="1.0" encoding="utf-8"?>
+<file path=ppt/slides/slide8.xml><?xml version="1.0" encoding="utf-8"?>
 <p:sld xmlns:a="http://schemas.openxmlformats.org/drawingml/2006/main" xmlns:r="http://schemas.openxmlformats.org/officeDocument/2006/relationships" xmlns:p="http://schemas.openxmlformats.org/presentationml/2006/main">
   <p:cSld>
     <p:spTree>
